--- a/doc/archi.pptx
+++ b/doc/archi.pptx
@@ -5,8 +5,8 @@
     <p:sldMasterId id="2147483648" r:id="rId1"/>
   </p:sldMasterIdLst>
   <p:sldIdLst>
-    <p:sldId id="256" r:id="rId2"/>
-    <p:sldId id="257" r:id="rId3"/>
+    <p:sldId id="257" r:id="rId2"/>
+    <p:sldId id="256" r:id="rId3"/>
   </p:sldIdLst>
   <p:sldSz cx="12192000" cy="6858000"/>
   <p:notesSz cx="6858000" cy="9144000"/>
@@ -260,7 +260,7 @@
           <a:p>
             <a:fld id="{EF527E97-E77A-4920-A6B7-614B719493D6}" type="datetimeFigureOut">
               <a:rPr lang="fr-FR" smtClean="0"/>
-              <a:t>04/06/2020</a:t>
+              <a:t>08/06/2020</a:t>
             </a:fld>
             <a:endParaRPr lang="fr-FR"/>
           </a:p>
@@ -458,7 +458,7 @@
           <a:p>
             <a:fld id="{EF527E97-E77A-4920-A6B7-614B719493D6}" type="datetimeFigureOut">
               <a:rPr lang="fr-FR" smtClean="0"/>
-              <a:t>04/06/2020</a:t>
+              <a:t>08/06/2020</a:t>
             </a:fld>
             <a:endParaRPr lang="fr-FR"/>
           </a:p>
@@ -666,7 +666,7 @@
           <a:p>
             <a:fld id="{EF527E97-E77A-4920-A6B7-614B719493D6}" type="datetimeFigureOut">
               <a:rPr lang="fr-FR" smtClean="0"/>
-              <a:t>04/06/2020</a:t>
+              <a:t>08/06/2020</a:t>
             </a:fld>
             <a:endParaRPr lang="fr-FR"/>
           </a:p>
@@ -864,7 +864,7 @@
           <a:p>
             <a:fld id="{EF527E97-E77A-4920-A6B7-614B719493D6}" type="datetimeFigureOut">
               <a:rPr lang="fr-FR" smtClean="0"/>
-              <a:t>04/06/2020</a:t>
+              <a:t>08/06/2020</a:t>
             </a:fld>
             <a:endParaRPr lang="fr-FR"/>
           </a:p>
@@ -1139,7 +1139,7 @@
           <a:p>
             <a:fld id="{EF527E97-E77A-4920-A6B7-614B719493D6}" type="datetimeFigureOut">
               <a:rPr lang="fr-FR" smtClean="0"/>
-              <a:t>04/06/2020</a:t>
+              <a:t>08/06/2020</a:t>
             </a:fld>
             <a:endParaRPr lang="fr-FR"/>
           </a:p>
@@ -1404,7 +1404,7 @@
           <a:p>
             <a:fld id="{EF527E97-E77A-4920-A6B7-614B719493D6}" type="datetimeFigureOut">
               <a:rPr lang="fr-FR" smtClean="0"/>
-              <a:t>04/06/2020</a:t>
+              <a:t>08/06/2020</a:t>
             </a:fld>
             <a:endParaRPr lang="fr-FR"/>
           </a:p>
@@ -1816,7 +1816,7 @@
           <a:p>
             <a:fld id="{EF527E97-E77A-4920-A6B7-614B719493D6}" type="datetimeFigureOut">
               <a:rPr lang="fr-FR" smtClean="0"/>
-              <a:t>04/06/2020</a:t>
+              <a:t>08/06/2020</a:t>
             </a:fld>
             <a:endParaRPr lang="fr-FR"/>
           </a:p>
@@ -1957,7 +1957,7 @@
           <a:p>
             <a:fld id="{EF527E97-E77A-4920-A6B7-614B719493D6}" type="datetimeFigureOut">
               <a:rPr lang="fr-FR" smtClean="0"/>
-              <a:t>04/06/2020</a:t>
+              <a:t>08/06/2020</a:t>
             </a:fld>
             <a:endParaRPr lang="fr-FR"/>
           </a:p>
@@ -2070,7 +2070,7 @@
           <a:p>
             <a:fld id="{EF527E97-E77A-4920-A6B7-614B719493D6}" type="datetimeFigureOut">
               <a:rPr lang="fr-FR" smtClean="0"/>
-              <a:t>04/06/2020</a:t>
+              <a:t>08/06/2020</a:t>
             </a:fld>
             <a:endParaRPr lang="fr-FR"/>
           </a:p>
@@ -2381,7 +2381,7 @@
           <a:p>
             <a:fld id="{EF527E97-E77A-4920-A6B7-614B719493D6}" type="datetimeFigureOut">
               <a:rPr lang="fr-FR" smtClean="0"/>
-              <a:t>04/06/2020</a:t>
+              <a:t>08/06/2020</a:t>
             </a:fld>
             <a:endParaRPr lang="fr-FR"/>
           </a:p>
@@ -2669,7 +2669,7 @@
           <a:p>
             <a:fld id="{EF527E97-E77A-4920-A6B7-614B719493D6}" type="datetimeFigureOut">
               <a:rPr lang="fr-FR" smtClean="0"/>
-              <a:t>04/06/2020</a:t>
+              <a:t>08/06/2020</a:t>
             </a:fld>
             <a:endParaRPr lang="fr-FR"/>
           </a:p>
@@ -2910,7 +2910,7 @@
           <a:p>
             <a:fld id="{EF527E97-E77A-4920-A6B7-614B719493D6}" type="datetimeFigureOut">
               <a:rPr lang="fr-FR" smtClean="0"/>
-              <a:t>04/06/2020</a:t>
+              <a:t>08/06/2020</a:t>
             </a:fld>
             <a:endParaRPr lang="fr-FR"/>
           </a:p>
@@ -3332,1394 +3332,6 @@
           <p:cNvPr id="4" name="Rectangle 3">
             <a:extLst>
               <a:ext uri="{FF2B5EF4-FFF2-40B4-BE49-F238E27FC236}">
-                <a16:creationId xmlns:a16="http://schemas.microsoft.com/office/drawing/2014/main" id="{2F9BBBA2-D3C7-4AF0-A4B3-6E13882A6BFB}"/>
-              </a:ext>
-            </a:extLst>
-          </p:cNvPr>
-          <p:cNvSpPr/>
-          <p:nvPr/>
-        </p:nvSpPr>
-        <p:spPr>
-          <a:xfrm>
-            <a:off x="4574114" y="2370667"/>
-            <a:ext cx="3031068" cy="4064000"/>
-          </a:xfrm>
-          <a:prstGeom prst="rect">
-            <a:avLst/>
-          </a:prstGeom>
-          <a:solidFill>
-            <a:schemeClr val="tx1">
-              <a:lumMod val="50000"/>
-              <a:lumOff val="50000"/>
-            </a:schemeClr>
-          </a:solidFill>
-          <a:ln>
-            <a:solidFill>
-              <a:srgbClr val="FF0000"/>
-            </a:solidFill>
-          </a:ln>
-        </p:spPr>
-        <p:style>
-          <a:lnRef idx="2">
-            <a:schemeClr val="accent1">
-              <a:shade val="50000"/>
-            </a:schemeClr>
-          </a:lnRef>
-          <a:fillRef idx="1">
-            <a:schemeClr val="accent1"/>
-          </a:fillRef>
-          <a:effectRef idx="0">
-            <a:schemeClr val="accent1"/>
-          </a:effectRef>
-          <a:fontRef idx="minor">
-            <a:schemeClr val="lt1"/>
-          </a:fontRef>
-        </p:style>
-        <p:txBody>
-          <a:bodyPr rtlCol="0" anchor="ctr"/>
-          <a:lstStyle/>
-          <a:p>
-            <a:pPr algn="ctr"/>
-            <a:endParaRPr lang="fr-FR" dirty="0"/>
-          </a:p>
-        </p:txBody>
-      </p:sp>
-      <p:sp>
-        <p:nvSpPr>
-          <p:cNvPr id="5" name="Rectangle 4">
-            <a:extLst>
-              <a:ext uri="{FF2B5EF4-FFF2-40B4-BE49-F238E27FC236}">
-                <a16:creationId xmlns:a16="http://schemas.microsoft.com/office/drawing/2014/main" id="{FE52AB34-7D87-4265-9C9A-42830D74A818}"/>
-              </a:ext>
-            </a:extLst>
-          </p:cNvPr>
-          <p:cNvSpPr/>
-          <p:nvPr/>
-        </p:nvSpPr>
-        <p:spPr>
-          <a:xfrm>
-            <a:off x="4760381" y="3395133"/>
-            <a:ext cx="1202266" cy="2751667"/>
-          </a:xfrm>
-          <a:prstGeom prst="rect">
-            <a:avLst/>
-          </a:prstGeom>
-          <a:ln>
-            <a:noFill/>
-          </a:ln>
-        </p:spPr>
-        <p:style>
-          <a:lnRef idx="2">
-            <a:schemeClr val="accent1">
-              <a:shade val="50000"/>
-            </a:schemeClr>
-          </a:lnRef>
-          <a:fillRef idx="1">
-            <a:schemeClr val="accent1"/>
-          </a:fillRef>
-          <a:effectRef idx="0">
-            <a:schemeClr val="accent1"/>
-          </a:effectRef>
-          <a:fontRef idx="minor">
-            <a:schemeClr val="lt1"/>
-          </a:fontRef>
-        </p:style>
-        <p:txBody>
-          <a:bodyPr rtlCol="0" anchor="t"/>
-          <a:lstStyle/>
-          <a:p>
-            <a:pPr algn="ctr"/>
-            <a:r>
-              <a:rPr lang="fr-FR" dirty="0"/>
-              <a:t>Services internes</a:t>
-            </a:r>
-          </a:p>
-        </p:txBody>
-      </p:sp>
-      <p:sp>
-        <p:nvSpPr>
-          <p:cNvPr id="6" name="Rectangle 5">
-            <a:extLst>
-              <a:ext uri="{FF2B5EF4-FFF2-40B4-BE49-F238E27FC236}">
-                <a16:creationId xmlns:a16="http://schemas.microsoft.com/office/drawing/2014/main" id="{77893A86-BD94-424E-A8F6-EA91709D55B1}"/>
-              </a:ext>
-            </a:extLst>
-          </p:cNvPr>
-          <p:cNvSpPr/>
-          <p:nvPr/>
-        </p:nvSpPr>
-        <p:spPr>
-          <a:xfrm>
-            <a:off x="4760381" y="2776495"/>
-            <a:ext cx="2317752" cy="550333"/>
-          </a:xfrm>
-          <a:prstGeom prst="rect">
-            <a:avLst/>
-          </a:prstGeom>
-          <a:solidFill>
-            <a:schemeClr val="accent2">
-              <a:lumMod val="75000"/>
-            </a:schemeClr>
-          </a:solidFill>
-          <a:ln>
-            <a:noFill/>
-          </a:ln>
-        </p:spPr>
-        <p:style>
-          <a:lnRef idx="2">
-            <a:schemeClr val="accent1">
-              <a:shade val="50000"/>
-            </a:schemeClr>
-          </a:lnRef>
-          <a:fillRef idx="1">
-            <a:schemeClr val="accent1"/>
-          </a:fillRef>
-          <a:effectRef idx="0">
-            <a:schemeClr val="accent1"/>
-          </a:effectRef>
-          <a:fontRef idx="minor">
-            <a:schemeClr val="lt1"/>
-          </a:fontRef>
-        </p:style>
-        <p:txBody>
-          <a:bodyPr rtlCol="0" anchor="ctr"/>
-          <a:lstStyle/>
-          <a:p>
-            <a:pPr algn="ctr"/>
-            <a:r>
-              <a:rPr lang="fr-FR" dirty="0"/>
-              <a:t>Gestion des services internes</a:t>
-            </a:r>
-          </a:p>
-        </p:txBody>
-      </p:sp>
-      <p:sp>
-        <p:nvSpPr>
-          <p:cNvPr id="7" name="Rectangle 6">
-            <a:extLst>
-              <a:ext uri="{FF2B5EF4-FFF2-40B4-BE49-F238E27FC236}">
-                <a16:creationId xmlns:a16="http://schemas.microsoft.com/office/drawing/2014/main" id="{50A93BB7-4C5E-40B3-B916-A3707A5392D9}"/>
-              </a:ext>
-            </a:extLst>
-          </p:cNvPr>
-          <p:cNvSpPr/>
-          <p:nvPr/>
-        </p:nvSpPr>
-        <p:spPr>
-          <a:xfrm>
-            <a:off x="6182781" y="3860800"/>
-            <a:ext cx="1202265" cy="2285999"/>
-          </a:xfrm>
-          <a:prstGeom prst="rect">
-            <a:avLst/>
-          </a:prstGeom>
-          <a:solidFill>
-            <a:schemeClr val="accent6">
-              <a:lumMod val="75000"/>
-            </a:schemeClr>
-          </a:solidFill>
-          <a:ln>
-            <a:noFill/>
-          </a:ln>
-        </p:spPr>
-        <p:style>
-          <a:lnRef idx="2">
-            <a:schemeClr val="accent1">
-              <a:shade val="50000"/>
-            </a:schemeClr>
-          </a:lnRef>
-          <a:fillRef idx="1">
-            <a:schemeClr val="accent1"/>
-          </a:fillRef>
-          <a:effectRef idx="0">
-            <a:schemeClr val="accent1"/>
-          </a:effectRef>
-          <a:fontRef idx="minor">
-            <a:schemeClr val="lt1"/>
-          </a:fontRef>
-        </p:style>
-        <p:txBody>
-          <a:bodyPr rtlCol="0" anchor="t"/>
-          <a:lstStyle/>
-          <a:p>
-            <a:pPr algn="ctr"/>
-            <a:r>
-              <a:rPr lang="fr-FR" dirty="0"/>
-              <a:t>Services clients</a:t>
-            </a:r>
-          </a:p>
-        </p:txBody>
-      </p:sp>
-      <p:sp>
-        <p:nvSpPr>
-          <p:cNvPr id="14" name="Rectangle 13">
-            <a:extLst>
-              <a:ext uri="{FF2B5EF4-FFF2-40B4-BE49-F238E27FC236}">
-                <a16:creationId xmlns:a16="http://schemas.microsoft.com/office/drawing/2014/main" id="{0CB94C8C-8712-4246-94EE-FB60FAC533FD}"/>
-              </a:ext>
-            </a:extLst>
-          </p:cNvPr>
-          <p:cNvSpPr/>
-          <p:nvPr/>
-        </p:nvSpPr>
-        <p:spPr>
-          <a:xfrm>
-            <a:off x="5283198" y="1172631"/>
-            <a:ext cx="1625601" cy="745067"/>
-          </a:xfrm>
-          <a:prstGeom prst="rect">
-            <a:avLst/>
-          </a:prstGeom>
-        </p:spPr>
-        <p:style>
-          <a:lnRef idx="2">
-            <a:schemeClr val="accent1">
-              <a:shade val="50000"/>
-            </a:schemeClr>
-          </a:lnRef>
-          <a:fillRef idx="1">
-            <a:schemeClr val="accent1"/>
-          </a:fillRef>
-          <a:effectRef idx="0">
-            <a:schemeClr val="accent1"/>
-          </a:effectRef>
-          <a:fontRef idx="minor">
-            <a:schemeClr val="lt1"/>
-          </a:fontRef>
-        </p:style>
-        <p:txBody>
-          <a:bodyPr rtlCol="0" anchor="ctr"/>
-          <a:lstStyle/>
-          <a:p>
-            <a:pPr algn="ctr"/>
-            <a:r>
-              <a:rPr lang="fr-FR" dirty="0"/>
-              <a:t>VPN</a:t>
-            </a:r>
-          </a:p>
-        </p:txBody>
-      </p:sp>
-      <p:sp>
-        <p:nvSpPr>
-          <p:cNvPr id="23" name="Rectangle 22">
-            <a:extLst>
-              <a:ext uri="{FF2B5EF4-FFF2-40B4-BE49-F238E27FC236}">
-                <a16:creationId xmlns:a16="http://schemas.microsoft.com/office/drawing/2014/main" id="{E8B8AE60-22CB-492F-9515-8101A4692556}"/>
-              </a:ext>
-            </a:extLst>
-          </p:cNvPr>
-          <p:cNvSpPr/>
-          <p:nvPr/>
-        </p:nvSpPr>
-        <p:spPr>
-          <a:xfrm>
-            <a:off x="905932" y="2370667"/>
-            <a:ext cx="3031068" cy="4064000"/>
-          </a:xfrm>
-          <a:prstGeom prst="rect">
-            <a:avLst/>
-          </a:prstGeom>
-          <a:solidFill>
-            <a:schemeClr val="tx1">
-              <a:lumMod val="50000"/>
-              <a:lumOff val="50000"/>
-            </a:schemeClr>
-          </a:solidFill>
-        </p:spPr>
-        <p:style>
-          <a:lnRef idx="2">
-            <a:schemeClr val="accent1">
-              <a:shade val="50000"/>
-            </a:schemeClr>
-          </a:lnRef>
-          <a:fillRef idx="1">
-            <a:schemeClr val="accent1"/>
-          </a:fillRef>
-          <a:effectRef idx="0">
-            <a:schemeClr val="accent1"/>
-          </a:effectRef>
-          <a:fontRef idx="minor">
-            <a:schemeClr val="lt1"/>
-          </a:fontRef>
-        </p:style>
-        <p:txBody>
-          <a:bodyPr rtlCol="0" anchor="ctr"/>
-          <a:lstStyle/>
-          <a:p>
-            <a:pPr algn="ctr"/>
-            <a:endParaRPr lang="fr-FR"/>
-          </a:p>
-        </p:txBody>
-      </p:sp>
-      <p:sp>
-        <p:nvSpPr>
-          <p:cNvPr id="24" name="Rectangle 23">
-            <a:extLst>
-              <a:ext uri="{FF2B5EF4-FFF2-40B4-BE49-F238E27FC236}">
-                <a16:creationId xmlns:a16="http://schemas.microsoft.com/office/drawing/2014/main" id="{3D1920ED-F29E-4ECA-8C43-7A02CE06901F}"/>
-              </a:ext>
-            </a:extLst>
-          </p:cNvPr>
-          <p:cNvSpPr/>
-          <p:nvPr/>
-        </p:nvSpPr>
-        <p:spPr>
-          <a:xfrm>
-            <a:off x="1092199" y="3395133"/>
-            <a:ext cx="1202266" cy="2751667"/>
-          </a:xfrm>
-          <a:prstGeom prst="rect">
-            <a:avLst/>
-          </a:prstGeom>
-          <a:ln>
-            <a:noFill/>
-          </a:ln>
-        </p:spPr>
-        <p:style>
-          <a:lnRef idx="2">
-            <a:schemeClr val="accent1">
-              <a:shade val="50000"/>
-            </a:schemeClr>
-          </a:lnRef>
-          <a:fillRef idx="1">
-            <a:schemeClr val="accent1"/>
-          </a:fillRef>
-          <a:effectRef idx="0">
-            <a:schemeClr val="accent1"/>
-          </a:effectRef>
-          <a:fontRef idx="minor">
-            <a:schemeClr val="lt1"/>
-          </a:fontRef>
-        </p:style>
-        <p:txBody>
-          <a:bodyPr rtlCol="0" anchor="t"/>
-          <a:lstStyle/>
-          <a:p>
-            <a:pPr algn="ctr"/>
-            <a:r>
-              <a:rPr lang="fr-FR" dirty="0"/>
-              <a:t>Services internes</a:t>
-            </a:r>
-          </a:p>
-        </p:txBody>
-      </p:sp>
-      <p:sp>
-        <p:nvSpPr>
-          <p:cNvPr id="26" name="Rectangle 25">
-            <a:extLst>
-              <a:ext uri="{FF2B5EF4-FFF2-40B4-BE49-F238E27FC236}">
-                <a16:creationId xmlns:a16="http://schemas.microsoft.com/office/drawing/2014/main" id="{B5CE6B2F-C410-4281-8629-A7CABC9EAA3D}"/>
-              </a:ext>
-            </a:extLst>
-          </p:cNvPr>
-          <p:cNvSpPr/>
-          <p:nvPr/>
-        </p:nvSpPr>
-        <p:spPr>
-          <a:xfrm>
-            <a:off x="8039100" y="2370667"/>
-            <a:ext cx="3031068" cy="4064000"/>
-          </a:xfrm>
-          <a:prstGeom prst="rect">
-            <a:avLst/>
-          </a:prstGeom>
-          <a:solidFill>
-            <a:schemeClr val="tx1">
-              <a:lumMod val="50000"/>
-              <a:lumOff val="50000"/>
-            </a:schemeClr>
-          </a:solidFill>
-        </p:spPr>
-        <p:style>
-          <a:lnRef idx="2">
-            <a:schemeClr val="accent1">
-              <a:shade val="50000"/>
-            </a:schemeClr>
-          </a:lnRef>
-          <a:fillRef idx="1">
-            <a:schemeClr val="accent1"/>
-          </a:fillRef>
-          <a:effectRef idx="0">
-            <a:schemeClr val="accent1"/>
-          </a:effectRef>
-          <a:fontRef idx="minor">
-            <a:schemeClr val="lt1"/>
-          </a:fontRef>
-        </p:style>
-        <p:txBody>
-          <a:bodyPr rtlCol="0" anchor="ctr"/>
-          <a:lstStyle/>
-          <a:p>
-            <a:pPr algn="ctr"/>
-            <a:endParaRPr lang="fr-FR" dirty="0"/>
-          </a:p>
-        </p:txBody>
-      </p:sp>
-      <p:sp>
-        <p:nvSpPr>
-          <p:cNvPr id="27" name="Rectangle 26">
-            <a:extLst>
-              <a:ext uri="{FF2B5EF4-FFF2-40B4-BE49-F238E27FC236}">
-                <a16:creationId xmlns:a16="http://schemas.microsoft.com/office/drawing/2014/main" id="{E18D652F-1AD0-44C5-978A-62538145A48D}"/>
-              </a:ext>
-            </a:extLst>
-          </p:cNvPr>
-          <p:cNvSpPr/>
-          <p:nvPr/>
-        </p:nvSpPr>
-        <p:spPr>
-          <a:xfrm>
-            <a:off x="8225367" y="3395133"/>
-            <a:ext cx="1202266" cy="2751667"/>
-          </a:xfrm>
-          <a:prstGeom prst="rect">
-            <a:avLst/>
-          </a:prstGeom>
-          <a:ln>
-            <a:noFill/>
-          </a:ln>
-        </p:spPr>
-        <p:style>
-          <a:lnRef idx="2">
-            <a:schemeClr val="accent1">
-              <a:shade val="50000"/>
-            </a:schemeClr>
-          </a:lnRef>
-          <a:fillRef idx="1">
-            <a:schemeClr val="accent1"/>
-          </a:fillRef>
-          <a:effectRef idx="0">
-            <a:schemeClr val="accent1"/>
-          </a:effectRef>
-          <a:fontRef idx="minor">
-            <a:schemeClr val="lt1"/>
-          </a:fontRef>
-        </p:style>
-        <p:txBody>
-          <a:bodyPr rtlCol="0" anchor="t"/>
-          <a:lstStyle/>
-          <a:p>
-            <a:pPr algn="ctr"/>
-            <a:r>
-              <a:rPr lang="fr-FR" dirty="0"/>
-              <a:t>Services internes</a:t>
-            </a:r>
-          </a:p>
-        </p:txBody>
-      </p:sp>
-      <p:cxnSp>
-        <p:nvCxnSpPr>
-          <p:cNvPr id="30" name="Connecteur : en angle 29">
-            <a:extLst>
-              <a:ext uri="{FF2B5EF4-FFF2-40B4-BE49-F238E27FC236}">
-                <a16:creationId xmlns:a16="http://schemas.microsoft.com/office/drawing/2014/main" id="{361BE067-70F3-40BD-B91A-365F28633785}"/>
-              </a:ext>
-            </a:extLst>
-          </p:cNvPr>
-          <p:cNvCxnSpPr>
-            <a:cxnSpLocks/>
-            <a:stCxn id="26" idx="0"/>
-            <a:endCxn id="14" idx="3"/>
-          </p:cNvCxnSpPr>
-          <p:nvPr/>
-        </p:nvCxnSpPr>
-        <p:spPr>
-          <a:xfrm rot="16200000" flipV="1">
-            <a:off x="7818966" y="634998"/>
-            <a:ext cx="825502" cy="2645835"/>
-          </a:xfrm>
-          <a:prstGeom prst="bentConnector2">
-            <a:avLst/>
-          </a:prstGeom>
-          <a:ln>
-            <a:tailEnd type="triangle"/>
-          </a:ln>
-        </p:spPr>
-        <p:style>
-          <a:lnRef idx="3">
-            <a:schemeClr val="accent1"/>
-          </a:lnRef>
-          <a:fillRef idx="0">
-            <a:schemeClr val="accent1"/>
-          </a:fillRef>
-          <a:effectRef idx="2">
-            <a:schemeClr val="accent1"/>
-          </a:effectRef>
-          <a:fontRef idx="minor">
-            <a:schemeClr val="tx1"/>
-          </a:fontRef>
-        </p:style>
-      </p:cxnSp>
-      <p:cxnSp>
-        <p:nvCxnSpPr>
-          <p:cNvPr id="32" name="Connecteur : en angle 31">
-            <a:extLst>
-              <a:ext uri="{FF2B5EF4-FFF2-40B4-BE49-F238E27FC236}">
-                <a16:creationId xmlns:a16="http://schemas.microsoft.com/office/drawing/2014/main" id="{9855C561-48C1-4E85-A16C-DA78E237A1CB}"/>
-              </a:ext>
-            </a:extLst>
-          </p:cNvPr>
-          <p:cNvCxnSpPr>
-            <a:cxnSpLocks/>
-            <a:endCxn id="14" idx="2"/>
-          </p:cNvCxnSpPr>
-          <p:nvPr/>
-        </p:nvCxnSpPr>
-        <p:spPr>
-          <a:xfrm rot="5400000" flipH="1" flipV="1">
-            <a:off x="5869515" y="2144181"/>
-            <a:ext cx="452967" cy="2"/>
-          </a:xfrm>
-          <a:prstGeom prst="bentConnector3">
-            <a:avLst>
-              <a:gd name="adj1" fmla="val 50000"/>
-            </a:avLst>
-          </a:prstGeom>
-          <a:ln>
-            <a:tailEnd type="triangle"/>
-          </a:ln>
-        </p:spPr>
-        <p:style>
-          <a:lnRef idx="3">
-            <a:schemeClr val="accent1"/>
-          </a:lnRef>
-          <a:fillRef idx="0">
-            <a:schemeClr val="accent1"/>
-          </a:fillRef>
-          <a:effectRef idx="2">
-            <a:schemeClr val="accent1"/>
-          </a:effectRef>
-          <a:fontRef idx="minor">
-            <a:schemeClr val="tx1"/>
-          </a:fontRef>
-        </p:style>
-      </p:cxnSp>
-      <p:cxnSp>
-        <p:nvCxnSpPr>
-          <p:cNvPr id="38" name="Connecteur : en angle 37">
-            <a:extLst>
-              <a:ext uri="{FF2B5EF4-FFF2-40B4-BE49-F238E27FC236}">
-                <a16:creationId xmlns:a16="http://schemas.microsoft.com/office/drawing/2014/main" id="{C56204B4-FE3F-4029-B406-E9224E561919}"/>
-              </a:ext>
-            </a:extLst>
-          </p:cNvPr>
-          <p:cNvCxnSpPr>
-            <a:cxnSpLocks/>
-            <a:stCxn id="23" idx="0"/>
-            <a:endCxn id="14" idx="1"/>
-          </p:cNvCxnSpPr>
-          <p:nvPr/>
-        </p:nvCxnSpPr>
-        <p:spPr>
-          <a:xfrm rot="5400000" flipH="1" flipV="1">
-            <a:off x="3439581" y="527050"/>
-            <a:ext cx="825502" cy="2861732"/>
-          </a:xfrm>
-          <a:prstGeom prst="bentConnector2">
-            <a:avLst/>
-          </a:prstGeom>
-          <a:ln>
-            <a:tailEnd type="triangle"/>
-          </a:ln>
-        </p:spPr>
-        <p:style>
-          <a:lnRef idx="3">
-            <a:schemeClr val="accent1"/>
-          </a:lnRef>
-          <a:fillRef idx="0">
-            <a:schemeClr val="accent1"/>
-          </a:fillRef>
-          <a:effectRef idx="2">
-            <a:schemeClr val="accent1"/>
-          </a:effectRef>
-          <a:fontRef idx="minor">
-            <a:schemeClr val="tx1"/>
-          </a:fontRef>
-        </p:style>
-      </p:cxnSp>
-      <p:sp>
-        <p:nvSpPr>
-          <p:cNvPr id="43" name="ZoneTexte 42">
-            <a:extLst>
-              <a:ext uri="{FF2B5EF4-FFF2-40B4-BE49-F238E27FC236}">
-                <a16:creationId xmlns:a16="http://schemas.microsoft.com/office/drawing/2014/main" id="{1742541F-AB82-447C-95DF-96736A04B47D}"/>
-              </a:ext>
-            </a:extLst>
-          </p:cNvPr>
-          <p:cNvSpPr txBox="1"/>
-          <p:nvPr/>
-        </p:nvSpPr>
-        <p:spPr>
-          <a:xfrm>
-            <a:off x="5470524" y="2398182"/>
-            <a:ext cx="1250951" cy="369332"/>
-          </a:xfrm>
-          <a:prstGeom prst="rect">
-            <a:avLst/>
-          </a:prstGeom>
-          <a:noFill/>
-        </p:spPr>
-        <p:txBody>
-          <a:bodyPr wrap="square" rtlCol="0">
-            <a:spAutoFit/>
-          </a:bodyPr>
-          <a:lstStyle/>
-          <a:p>
-            <a:r>
-              <a:rPr lang="fr-FR" dirty="0"/>
-              <a:t>Nœud root</a:t>
-            </a:r>
-          </a:p>
-        </p:txBody>
-      </p:sp>
-      <p:sp>
-        <p:nvSpPr>
-          <p:cNvPr id="46" name="ZoneTexte 45">
-            <a:extLst>
-              <a:ext uri="{FF2B5EF4-FFF2-40B4-BE49-F238E27FC236}">
-                <a16:creationId xmlns:a16="http://schemas.microsoft.com/office/drawing/2014/main" id="{3B37388D-FA80-4817-B84A-4271943DED6F}"/>
-              </a:ext>
-            </a:extLst>
-          </p:cNvPr>
-          <p:cNvSpPr txBox="1"/>
-          <p:nvPr/>
-        </p:nvSpPr>
-        <p:spPr>
-          <a:xfrm>
-            <a:off x="8553979" y="2428383"/>
-            <a:ext cx="2001309" cy="369332"/>
-          </a:xfrm>
-          <a:prstGeom prst="rect">
-            <a:avLst/>
-          </a:prstGeom>
-          <a:noFill/>
-        </p:spPr>
-        <p:txBody>
-          <a:bodyPr wrap="square" rtlCol="0">
-            <a:spAutoFit/>
-          </a:bodyPr>
-          <a:lstStyle/>
-          <a:p>
-            <a:r>
-              <a:rPr lang="fr-FR" dirty="0"/>
-              <a:t>Nœud secondaire</a:t>
-            </a:r>
-          </a:p>
-        </p:txBody>
-      </p:sp>
-      <p:sp>
-        <p:nvSpPr>
-          <p:cNvPr id="47" name="ZoneTexte 46">
-            <a:extLst>
-              <a:ext uri="{FF2B5EF4-FFF2-40B4-BE49-F238E27FC236}">
-                <a16:creationId xmlns:a16="http://schemas.microsoft.com/office/drawing/2014/main" id="{F65DC3BA-1C77-44E6-8CA1-31F16B4EE79A}"/>
-              </a:ext>
-            </a:extLst>
-          </p:cNvPr>
-          <p:cNvSpPr txBox="1"/>
-          <p:nvPr/>
-        </p:nvSpPr>
-        <p:spPr>
-          <a:xfrm>
-            <a:off x="1420811" y="2407163"/>
-            <a:ext cx="2001309" cy="369332"/>
-          </a:xfrm>
-          <a:prstGeom prst="rect">
-            <a:avLst/>
-          </a:prstGeom>
-          <a:noFill/>
-        </p:spPr>
-        <p:txBody>
-          <a:bodyPr wrap="square" rtlCol="0">
-            <a:spAutoFit/>
-          </a:bodyPr>
-          <a:lstStyle/>
-          <a:p>
-            <a:r>
-              <a:rPr lang="fr-FR" dirty="0"/>
-              <a:t>Nœud secondaire</a:t>
-            </a:r>
-          </a:p>
-        </p:txBody>
-      </p:sp>
-      <p:sp>
-        <p:nvSpPr>
-          <p:cNvPr id="19" name="Rectangle 18">
-            <a:extLst>
-              <a:ext uri="{FF2B5EF4-FFF2-40B4-BE49-F238E27FC236}">
-                <a16:creationId xmlns:a16="http://schemas.microsoft.com/office/drawing/2014/main" id="{4BB0CA61-804C-4F93-BE01-728BE701006F}"/>
-              </a:ext>
-            </a:extLst>
-          </p:cNvPr>
-          <p:cNvSpPr/>
-          <p:nvPr/>
-        </p:nvSpPr>
-        <p:spPr>
-          <a:xfrm>
-            <a:off x="6182779" y="3378766"/>
-            <a:ext cx="1202267" cy="401031"/>
-          </a:xfrm>
-          <a:prstGeom prst="rect">
-            <a:avLst/>
-          </a:prstGeom>
-          <a:solidFill>
-            <a:schemeClr val="accent6">
-              <a:lumMod val="60000"/>
-              <a:lumOff val="40000"/>
-            </a:schemeClr>
-          </a:solidFill>
-          <a:ln>
-            <a:noFill/>
-          </a:ln>
-        </p:spPr>
-        <p:style>
-          <a:lnRef idx="2">
-            <a:schemeClr val="accent1">
-              <a:shade val="50000"/>
-            </a:schemeClr>
-          </a:lnRef>
-          <a:fillRef idx="1">
-            <a:schemeClr val="accent1"/>
-          </a:fillRef>
-          <a:effectRef idx="0">
-            <a:schemeClr val="accent1"/>
-          </a:effectRef>
-          <a:fontRef idx="minor">
-            <a:schemeClr val="lt1"/>
-          </a:fontRef>
-        </p:style>
-        <p:txBody>
-          <a:bodyPr rtlCol="0" anchor="ctr"/>
-          <a:lstStyle/>
-          <a:p>
-            <a:pPr algn="ctr"/>
-            <a:r>
-              <a:rPr lang="fr-FR" dirty="0"/>
-              <a:t>routeur</a:t>
-            </a:r>
-          </a:p>
-        </p:txBody>
-      </p:sp>
-      <p:cxnSp>
-        <p:nvCxnSpPr>
-          <p:cNvPr id="3" name="Connecteur droit avec flèche 2">
-            <a:extLst>
-              <a:ext uri="{FF2B5EF4-FFF2-40B4-BE49-F238E27FC236}">
-                <a16:creationId xmlns:a16="http://schemas.microsoft.com/office/drawing/2014/main" id="{8CCA9654-27A4-43A5-AA53-D758488466E8}"/>
-              </a:ext>
-            </a:extLst>
-          </p:cNvPr>
-          <p:cNvCxnSpPr>
-            <a:cxnSpLocks/>
-            <a:stCxn id="19" idx="2"/>
-            <a:endCxn id="7" idx="0"/>
-          </p:cNvCxnSpPr>
-          <p:nvPr/>
-        </p:nvCxnSpPr>
-        <p:spPr>
-          <a:xfrm>
-            <a:off x="6783913" y="3779797"/>
-            <a:ext cx="1" cy="81003"/>
-          </a:xfrm>
-          <a:prstGeom prst="straightConnector1">
-            <a:avLst/>
-          </a:prstGeom>
-          <a:ln>
-            <a:headEnd type="triangle"/>
-            <a:tailEnd type="triangle"/>
-          </a:ln>
-        </p:spPr>
-        <p:style>
-          <a:lnRef idx="1">
-            <a:schemeClr val="accent1"/>
-          </a:lnRef>
-          <a:fillRef idx="0">
-            <a:schemeClr val="accent1"/>
-          </a:fillRef>
-          <a:effectRef idx="0">
-            <a:schemeClr val="accent1"/>
-          </a:effectRef>
-          <a:fontRef idx="minor">
-            <a:schemeClr val="tx1"/>
-          </a:fontRef>
-        </p:style>
-      </p:cxnSp>
-      <p:sp>
-        <p:nvSpPr>
-          <p:cNvPr id="29" name="Rectangle 28">
-            <a:extLst>
-              <a:ext uri="{FF2B5EF4-FFF2-40B4-BE49-F238E27FC236}">
-                <a16:creationId xmlns:a16="http://schemas.microsoft.com/office/drawing/2014/main" id="{5212E8DD-5050-46AF-9327-3021F7A08669}"/>
-              </a:ext>
-            </a:extLst>
-          </p:cNvPr>
-          <p:cNvSpPr/>
-          <p:nvPr/>
-        </p:nvSpPr>
-        <p:spPr>
-          <a:xfrm>
-            <a:off x="2508249" y="3860800"/>
-            <a:ext cx="1202265" cy="2285999"/>
-          </a:xfrm>
-          <a:prstGeom prst="rect">
-            <a:avLst/>
-          </a:prstGeom>
-          <a:solidFill>
-            <a:schemeClr val="accent6">
-              <a:lumMod val="75000"/>
-            </a:schemeClr>
-          </a:solidFill>
-          <a:ln>
-            <a:noFill/>
-          </a:ln>
-        </p:spPr>
-        <p:style>
-          <a:lnRef idx="2">
-            <a:schemeClr val="accent1">
-              <a:shade val="50000"/>
-            </a:schemeClr>
-          </a:lnRef>
-          <a:fillRef idx="1">
-            <a:schemeClr val="accent1"/>
-          </a:fillRef>
-          <a:effectRef idx="0">
-            <a:schemeClr val="accent1"/>
-          </a:effectRef>
-          <a:fontRef idx="minor">
-            <a:schemeClr val="lt1"/>
-          </a:fontRef>
-        </p:style>
-        <p:txBody>
-          <a:bodyPr rtlCol="0" anchor="t"/>
-          <a:lstStyle/>
-          <a:p>
-            <a:pPr algn="ctr"/>
-            <a:r>
-              <a:rPr lang="fr-FR" dirty="0"/>
-              <a:t>Services clients</a:t>
-            </a:r>
-          </a:p>
-        </p:txBody>
-      </p:sp>
-      <p:sp>
-        <p:nvSpPr>
-          <p:cNvPr id="31" name="Rectangle 30">
-            <a:extLst>
-              <a:ext uri="{FF2B5EF4-FFF2-40B4-BE49-F238E27FC236}">
-                <a16:creationId xmlns:a16="http://schemas.microsoft.com/office/drawing/2014/main" id="{41B18E04-5349-4556-911F-03ABEB92B991}"/>
-              </a:ext>
-            </a:extLst>
-          </p:cNvPr>
-          <p:cNvSpPr/>
-          <p:nvPr/>
-        </p:nvSpPr>
-        <p:spPr>
-          <a:xfrm>
-            <a:off x="2508247" y="3378766"/>
-            <a:ext cx="1202267" cy="401031"/>
-          </a:xfrm>
-          <a:prstGeom prst="rect">
-            <a:avLst/>
-          </a:prstGeom>
-          <a:solidFill>
-            <a:schemeClr val="accent6">
-              <a:lumMod val="60000"/>
-              <a:lumOff val="40000"/>
-            </a:schemeClr>
-          </a:solidFill>
-          <a:ln>
-            <a:noFill/>
-          </a:ln>
-        </p:spPr>
-        <p:style>
-          <a:lnRef idx="2">
-            <a:schemeClr val="accent1">
-              <a:shade val="50000"/>
-            </a:schemeClr>
-          </a:lnRef>
-          <a:fillRef idx="1">
-            <a:schemeClr val="accent1"/>
-          </a:fillRef>
-          <a:effectRef idx="0">
-            <a:schemeClr val="accent1"/>
-          </a:effectRef>
-          <a:fontRef idx="minor">
-            <a:schemeClr val="lt1"/>
-          </a:fontRef>
-        </p:style>
-        <p:txBody>
-          <a:bodyPr rtlCol="0" anchor="ctr"/>
-          <a:lstStyle/>
-          <a:p>
-            <a:pPr algn="ctr"/>
-            <a:r>
-              <a:rPr lang="fr-FR" dirty="0"/>
-              <a:t>routeur</a:t>
-            </a:r>
-          </a:p>
-        </p:txBody>
-      </p:sp>
-      <p:cxnSp>
-        <p:nvCxnSpPr>
-          <p:cNvPr id="33" name="Connecteur droit avec flèche 32">
-            <a:extLst>
-              <a:ext uri="{FF2B5EF4-FFF2-40B4-BE49-F238E27FC236}">
-                <a16:creationId xmlns:a16="http://schemas.microsoft.com/office/drawing/2014/main" id="{AF13B1BD-2917-4FD4-88D4-808A1326ADCE}"/>
-              </a:ext>
-            </a:extLst>
-          </p:cNvPr>
-          <p:cNvCxnSpPr>
-            <a:cxnSpLocks/>
-            <a:stCxn id="31" idx="2"/>
-            <a:endCxn id="29" idx="0"/>
-          </p:cNvCxnSpPr>
-          <p:nvPr/>
-        </p:nvCxnSpPr>
-        <p:spPr>
-          <a:xfrm>
-            <a:off x="3109381" y="3779797"/>
-            <a:ext cx="1" cy="81003"/>
-          </a:xfrm>
-          <a:prstGeom prst="straightConnector1">
-            <a:avLst/>
-          </a:prstGeom>
-          <a:ln>
-            <a:headEnd type="triangle"/>
-            <a:tailEnd type="triangle"/>
-          </a:ln>
-        </p:spPr>
-        <p:style>
-          <a:lnRef idx="1">
-            <a:schemeClr val="accent1"/>
-          </a:lnRef>
-          <a:fillRef idx="0">
-            <a:schemeClr val="accent1"/>
-          </a:fillRef>
-          <a:effectRef idx="0">
-            <a:schemeClr val="accent1"/>
-          </a:effectRef>
-          <a:fontRef idx="minor">
-            <a:schemeClr val="tx1"/>
-          </a:fontRef>
-        </p:style>
-      </p:cxnSp>
-      <p:sp>
-        <p:nvSpPr>
-          <p:cNvPr id="34" name="Rectangle 33">
-            <a:extLst>
-              <a:ext uri="{FF2B5EF4-FFF2-40B4-BE49-F238E27FC236}">
-                <a16:creationId xmlns:a16="http://schemas.microsoft.com/office/drawing/2014/main" id="{81AD4FF7-47F8-4748-8409-1922001B8237}"/>
-              </a:ext>
-            </a:extLst>
-          </p:cNvPr>
-          <p:cNvSpPr/>
-          <p:nvPr/>
-        </p:nvSpPr>
-        <p:spPr>
-          <a:xfrm>
-            <a:off x="9647767" y="3865030"/>
-            <a:ext cx="1202265" cy="2285999"/>
-          </a:xfrm>
-          <a:prstGeom prst="rect">
-            <a:avLst/>
-          </a:prstGeom>
-          <a:solidFill>
-            <a:schemeClr val="accent6">
-              <a:lumMod val="75000"/>
-            </a:schemeClr>
-          </a:solidFill>
-          <a:ln>
-            <a:noFill/>
-          </a:ln>
-        </p:spPr>
-        <p:style>
-          <a:lnRef idx="2">
-            <a:schemeClr val="accent1">
-              <a:shade val="50000"/>
-            </a:schemeClr>
-          </a:lnRef>
-          <a:fillRef idx="1">
-            <a:schemeClr val="accent1"/>
-          </a:fillRef>
-          <a:effectRef idx="0">
-            <a:schemeClr val="accent1"/>
-          </a:effectRef>
-          <a:fontRef idx="minor">
-            <a:schemeClr val="lt1"/>
-          </a:fontRef>
-        </p:style>
-        <p:txBody>
-          <a:bodyPr rtlCol="0" anchor="t"/>
-          <a:lstStyle/>
-          <a:p>
-            <a:pPr algn="ctr"/>
-            <a:r>
-              <a:rPr lang="fr-FR" dirty="0"/>
-              <a:t>Services clients</a:t>
-            </a:r>
-          </a:p>
-        </p:txBody>
-      </p:sp>
-      <p:sp>
-        <p:nvSpPr>
-          <p:cNvPr id="35" name="Rectangle 34">
-            <a:extLst>
-              <a:ext uri="{FF2B5EF4-FFF2-40B4-BE49-F238E27FC236}">
-                <a16:creationId xmlns:a16="http://schemas.microsoft.com/office/drawing/2014/main" id="{97196560-FF79-4850-B4A3-537538941E92}"/>
-              </a:ext>
-            </a:extLst>
-          </p:cNvPr>
-          <p:cNvSpPr/>
-          <p:nvPr/>
-        </p:nvSpPr>
-        <p:spPr>
-          <a:xfrm>
-            <a:off x="9647765" y="3382996"/>
-            <a:ext cx="1202267" cy="401031"/>
-          </a:xfrm>
-          <a:prstGeom prst="rect">
-            <a:avLst/>
-          </a:prstGeom>
-          <a:solidFill>
-            <a:schemeClr val="accent6">
-              <a:lumMod val="60000"/>
-              <a:lumOff val="40000"/>
-            </a:schemeClr>
-          </a:solidFill>
-          <a:ln>
-            <a:noFill/>
-          </a:ln>
-        </p:spPr>
-        <p:style>
-          <a:lnRef idx="2">
-            <a:schemeClr val="accent1">
-              <a:shade val="50000"/>
-            </a:schemeClr>
-          </a:lnRef>
-          <a:fillRef idx="1">
-            <a:schemeClr val="accent1"/>
-          </a:fillRef>
-          <a:effectRef idx="0">
-            <a:schemeClr val="accent1"/>
-          </a:effectRef>
-          <a:fontRef idx="minor">
-            <a:schemeClr val="lt1"/>
-          </a:fontRef>
-        </p:style>
-        <p:txBody>
-          <a:bodyPr rtlCol="0" anchor="ctr"/>
-          <a:lstStyle/>
-          <a:p>
-            <a:pPr algn="ctr"/>
-            <a:r>
-              <a:rPr lang="fr-FR" dirty="0"/>
-              <a:t>routeur</a:t>
-            </a:r>
-          </a:p>
-        </p:txBody>
-      </p:sp>
-      <p:cxnSp>
-        <p:nvCxnSpPr>
-          <p:cNvPr id="36" name="Connecteur droit avec flèche 35">
-            <a:extLst>
-              <a:ext uri="{FF2B5EF4-FFF2-40B4-BE49-F238E27FC236}">
-                <a16:creationId xmlns:a16="http://schemas.microsoft.com/office/drawing/2014/main" id="{1371322F-082F-4037-BADC-135875687D8D}"/>
-              </a:ext>
-            </a:extLst>
-          </p:cNvPr>
-          <p:cNvCxnSpPr>
-            <a:cxnSpLocks/>
-            <a:stCxn id="35" idx="2"/>
-            <a:endCxn id="34" idx="0"/>
-          </p:cNvCxnSpPr>
-          <p:nvPr/>
-        </p:nvCxnSpPr>
-        <p:spPr>
-          <a:xfrm>
-            <a:off x="10248899" y="3784027"/>
-            <a:ext cx="1" cy="81003"/>
-          </a:xfrm>
-          <a:prstGeom prst="straightConnector1">
-            <a:avLst/>
-          </a:prstGeom>
-          <a:ln>
-            <a:headEnd type="triangle"/>
-            <a:tailEnd type="triangle"/>
-          </a:ln>
-        </p:spPr>
-        <p:style>
-          <a:lnRef idx="1">
-            <a:schemeClr val="accent1"/>
-          </a:lnRef>
-          <a:fillRef idx="0">
-            <a:schemeClr val="accent1"/>
-          </a:fillRef>
-          <a:effectRef idx="0">
-            <a:schemeClr val="accent1"/>
-          </a:effectRef>
-          <a:fontRef idx="minor">
-            <a:schemeClr val="tx1"/>
-          </a:fontRef>
-        </p:style>
-      </p:cxnSp>
-      <p:cxnSp>
-        <p:nvCxnSpPr>
-          <p:cNvPr id="13" name="Connecteur : en angle 12">
-            <a:extLst>
-              <a:ext uri="{FF2B5EF4-FFF2-40B4-BE49-F238E27FC236}">
-                <a16:creationId xmlns:a16="http://schemas.microsoft.com/office/drawing/2014/main" id="{0383FF26-A1D6-4BAF-B2AE-1BB13D6537F6}"/>
-              </a:ext>
-            </a:extLst>
-          </p:cNvPr>
-          <p:cNvCxnSpPr>
-            <a:cxnSpLocks/>
-            <a:endCxn id="37" idx="3"/>
-          </p:cNvCxnSpPr>
-          <p:nvPr/>
-        </p:nvCxnSpPr>
-        <p:spPr>
-          <a:xfrm rot="16200000" flipV="1">
-            <a:off x="5675557" y="1840723"/>
-            <a:ext cx="2764936" cy="311153"/>
-          </a:xfrm>
-          <a:prstGeom prst="bentConnector2">
-            <a:avLst/>
-          </a:prstGeom>
-          <a:ln>
-            <a:headEnd type="triangle"/>
-            <a:tailEnd type="triangle"/>
-          </a:ln>
-        </p:spPr>
-        <p:style>
-          <a:lnRef idx="3">
-            <a:schemeClr val="accent1"/>
-          </a:lnRef>
-          <a:fillRef idx="0">
-            <a:schemeClr val="accent1"/>
-          </a:fillRef>
-          <a:effectRef idx="2">
-            <a:schemeClr val="accent1"/>
-          </a:effectRef>
-          <a:fontRef idx="minor">
-            <a:schemeClr val="tx1"/>
-          </a:fontRef>
-        </p:style>
-      </p:cxnSp>
-      <p:sp>
-        <p:nvSpPr>
-          <p:cNvPr id="37" name="Rectangle 36">
-            <a:extLst>
-              <a:ext uri="{FF2B5EF4-FFF2-40B4-BE49-F238E27FC236}">
-                <a16:creationId xmlns:a16="http://schemas.microsoft.com/office/drawing/2014/main" id="{3B8032D4-3059-41B5-87A5-FEF107DDDD34}"/>
-              </a:ext>
-            </a:extLst>
-          </p:cNvPr>
-          <p:cNvSpPr/>
-          <p:nvPr/>
-        </p:nvSpPr>
-        <p:spPr>
-          <a:xfrm>
-            <a:off x="5276847" y="241298"/>
-            <a:ext cx="1625601" cy="745067"/>
-          </a:xfrm>
-          <a:prstGeom prst="rect">
-            <a:avLst/>
-          </a:prstGeom>
-        </p:spPr>
-        <p:style>
-          <a:lnRef idx="2">
-            <a:schemeClr val="accent1">
-              <a:shade val="50000"/>
-            </a:schemeClr>
-          </a:lnRef>
-          <a:fillRef idx="1">
-            <a:schemeClr val="accent1"/>
-          </a:fillRef>
-          <a:effectRef idx="0">
-            <a:schemeClr val="accent1"/>
-          </a:effectRef>
-          <a:fontRef idx="minor">
-            <a:schemeClr val="lt1"/>
-          </a:fontRef>
-        </p:style>
-        <p:txBody>
-          <a:bodyPr rtlCol="0" anchor="ctr"/>
-          <a:lstStyle/>
-          <a:p>
-            <a:pPr algn="ctr"/>
-            <a:r>
-              <a:rPr lang="fr-FR" dirty="0"/>
-              <a:t>internet</a:t>
-            </a:r>
-          </a:p>
-        </p:txBody>
-      </p:sp>
-      <p:cxnSp>
-        <p:nvCxnSpPr>
-          <p:cNvPr id="20" name="Connecteur : en angle 19">
-            <a:extLst>
-              <a:ext uri="{FF2B5EF4-FFF2-40B4-BE49-F238E27FC236}">
-                <a16:creationId xmlns:a16="http://schemas.microsoft.com/office/drawing/2014/main" id="{66B1E057-6C75-43BF-9A12-0E817B3AF167}"/>
-              </a:ext>
-            </a:extLst>
-          </p:cNvPr>
-          <p:cNvCxnSpPr>
-            <a:cxnSpLocks/>
-            <a:endCxn id="37" idx="3"/>
-          </p:cNvCxnSpPr>
-          <p:nvPr/>
-        </p:nvCxnSpPr>
-        <p:spPr>
-          <a:xfrm rot="10800000">
-            <a:off x="6902448" y="613832"/>
-            <a:ext cx="3346450" cy="2764934"/>
-          </a:xfrm>
-          <a:prstGeom prst="bentConnector3">
-            <a:avLst>
-              <a:gd name="adj1" fmla="val 158"/>
-            </a:avLst>
-          </a:prstGeom>
-          <a:ln>
-            <a:headEnd type="triangle"/>
-            <a:tailEnd type="triangle"/>
-          </a:ln>
-        </p:spPr>
-        <p:style>
-          <a:lnRef idx="3">
-            <a:schemeClr val="accent1"/>
-          </a:lnRef>
-          <a:fillRef idx="0">
-            <a:schemeClr val="accent1"/>
-          </a:fillRef>
-          <a:effectRef idx="2">
-            <a:schemeClr val="accent1"/>
-          </a:effectRef>
-          <a:fontRef idx="minor">
-            <a:schemeClr val="tx1"/>
-          </a:fontRef>
-        </p:style>
-      </p:cxnSp>
-      <p:cxnSp>
-        <p:nvCxnSpPr>
-          <p:cNvPr id="39" name="Connecteur : en angle 38">
-            <a:extLst>
-              <a:ext uri="{FF2B5EF4-FFF2-40B4-BE49-F238E27FC236}">
-                <a16:creationId xmlns:a16="http://schemas.microsoft.com/office/drawing/2014/main" id="{B5B39A42-0CB0-4DF5-9A6D-EEE4934254E5}"/>
-              </a:ext>
-            </a:extLst>
-          </p:cNvPr>
-          <p:cNvCxnSpPr>
-            <a:stCxn id="37" idx="1"/>
-            <a:endCxn id="31" idx="0"/>
-          </p:cNvCxnSpPr>
-          <p:nvPr/>
-        </p:nvCxnSpPr>
-        <p:spPr>
-          <a:xfrm rot="10800000" flipV="1">
-            <a:off x="3109381" y="613832"/>
-            <a:ext cx="2167466" cy="2764934"/>
-          </a:xfrm>
-          <a:prstGeom prst="bentConnector2">
-            <a:avLst/>
-          </a:prstGeom>
-          <a:ln>
-            <a:headEnd type="triangle"/>
-            <a:tailEnd type="triangle"/>
-          </a:ln>
-        </p:spPr>
-        <p:style>
-          <a:lnRef idx="3">
-            <a:schemeClr val="accent1"/>
-          </a:lnRef>
-          <a:fillRef idx="0">
-            <a:schemeClr val="accent1"/>
-          </a:fillRef>
-          <a:effectRef idx="2">
-            <a:schemeClr val="accent1"/>
-          </a:effectRef>
-          <a:fontRef idx="minor">
-            <a:schemeClr val="tx1"/>
-          </a:fontRef>
-        </p:style>
-      </p:cxnSp>
-      <p:cxnSp>
-        <p:nvCxnSpPr>
-          <p:cNvPr id="41" name="Connecteur droit avec flèche 40">
-            <a:extLst>
-              <a:ext uri="{FF2B5EF4-FFF2-40B4-BE49-F238E27FC236}">
-                <a16:creationId xmlns:a16="http://schemas.microsoft.com/office/drawing/2014/main" id="{B4B40028-DCCA-46C4-BA1A-9E686C4CCD4D}"/>
-              </a:ext>
-            </a:extLst>
-          </p:cNvPr>
-          <p:cNvCxnSpPr>
-            <a:stCxn id="14" idx="0"/>
-            <a:endCxn id="37" idx="2"/>
-          </p:cNvCxnSpPr>
-          <p:nvPr/>
-        </p:nvCxnSpPr>
-        <p:spPr>
-          <a:xfrm flipH="1" flipV="1">
-            <a:off x="6089648" y="986365"/>
-            <a:ext cx="6351" cy="186266"/>
-          </a:xfrm>
-          <a:prstGeom prst="straightConnector1">
-            <a:avLst/>
-          </a:prstGeom>
-          <a:ln>
-            <a:headEnd type="triangle"/>
-            <a:tailEnd type="triangle"/>
-          </a:ln>
-        </p:spPr>
-        <p:style>
-          <a:lnRef idx="1">
-            <a:schemeClr val="accent1"/>
-          </a:lnRef>
-          <a:fillRef idx="0">
-            <a:schemeClr val="accent1"/>
-          </a:fillRef>
-          <a:effectRef idx="0">
-            <a:schemeClr val="accent1"/>
-          </a:effectRef>
-          <a:fontRef idx="minor">
-            <a:schemeClr val="tx1"/>
-          </a:fontRef>
-        </p:style>
-      </p:cxnSp>
-    </p:spTree>
-    <p:extLst>
-      <p:ext uri="{BB962C8B-B14F-4D97-AF65-F5344CB8AC3E}">
-        <p14:creationId xmlns:p14="http://schemas.microsoft.com/office/powerpoint/2010/main" val="2340926217"/>
-      </p:ext>
-    </p:extLst>
-  </p:cSld>
-  <p:clrMapOvr>
-    <a:masterClrMapping/>
-  </p:clrMapOvr>
-</p:sld>
-</file>
-
-<file path=ppt/slides/slide2.xml><?xml version="1.0" encoding="utf-8"?>
-<p:sld xmlns:a="http://schemas.openxmlformats.org/drawingml/2006/main" xmlns:r="http://schemas.openxmlformats.org/officeDocument/2006/relationships" xmlns:p="http://schemas.openxmlformats.org/presentationml/2006/main">
-  <p:cSld>
-    <p:spTree>
-      <p:nvGrpSpPr>
-        <p:cNvPr id="1" name=""/>
-        <p:cNvGrpSpPr/>
-        <p:nvPr/>
-      </p:nvGrpSpPr>
-      <p:grpSpPr>
-        <a:xfrm>
-          <a:off x="0" y="0"/>
-          <a:ext cx="0" cy="0"/>
-          <a:chOff x="0" y="0"/>
-          <a:chExt cx="0" cy="0"/>
-        </a:xfrm>
-      </p:grpSpPr>
-      <p:sp>
-        <p:nvSpPr>
-          <p:cNvPr id="4" name="Rectangle 3">
-            <a:extLst>
-              <a:ext uri="{FF2B5EF4-FFF2-40B4-BE49-F238E27FC236}">
                 <a16:creationId xmlns:a16="http://schemas.microsoft.com/office/drawing/2014/main" id="{DBEF10C6-6B38-4C91-B65C-6BCE0E8B07D4}"/>
               </a:ext>
             </a:extLst>
@@ -7302,6 +5914,1394 @@
     <p:extLst>
       <p:ext uri="{BB962C8B-B14F-4D97-AF65-F5344CB8AC3E}">
         <p14:creationId xmlns:p14="http://schemas.microsoft.com/office/powerpoint/2010/main" val="2036099108"/>
+      </p:ext>
+    </p:extLst>
+  </p:cSld>
+  <p:clrMapOvr>
+    <a:masterClrMapping/>
+  </p:clrMapOvr>
+</p:sld>
+</file>
+
+<file path=ppt/slides/slide2.xml><?xml version="1.0" encoding="utf-8"?>
+<p:sld xmlns:a="http://schemas.openxmlformats.org/drawingml/2006/main" xmlns:r="http://schemas.openxmlformats.org/officeDocument/2006/relationships" xmlns:p="http://schemas.openxmlformats.org/presentationml/2006/main">
+  <p:cSld>
+    <p:spTree>
+      <p:nvGrpSpPr>
+        <p:cNvPr id="1" name=""/>
+        <p:cNvGrpSpPr/>
+        <p:nvPr/>
+      </p:nvGrpSpPr>
+      <p:grpSpPr>
+        <a:xfrm>
+          <a:off x="0" y="0"/>
+          <a:ext cx="0" cy="0"/>
+          <a:chOff x="0" y="0"/>
+          <a:chExt cx="0" cy="0"/>
+        </a:xfrm>
+      </p:grpSpPr>
+      <p:sp>
+        <p:nvSpPr>
+          <p:cNvPr id="4" name="Rectangle 3">
+            <a:extLst>
+              <a:ext uri="{FF2B5EF4-FFF2-40B4-BE49-F238E27FC236}">
+                <a16:creationId xmlns:a16="http://schemas.microsoft.com/office/drawing/2014/main" id="{2F9BBBA2-D3C7-4AF0-A4B3-6E13882A6BFB}"/>
+              </a:ext>
+            </a:extLst>
+          </p:cNvPr>
+          <p:cNvSpPr/>
+          <p:nvPr/>
+        </p:nvSpPr>
+        <p:spPr>
+          <a:xfrm>
+            <a:off x="4574114" y="2370667"/>
+            <a:ext cx="3031068" cy="4064000"/>
+          </a:xfrm>
+          <a:prstGeom prst="rect">
+            <a:avLst/>
+          </a:prstGeom>
+          <a:solidFill>
+            <a:schemeClr val="tx1">
+              <a:lumMod val="50000"/>
+              <a:lumOff val="50000"/>
+            </a:schemeClr>
+          </a:solidFill>
+          <a:ln>
+            <a:solidFill>
+              <a:srgbClr val="FF0000"/>
+            </a:solidFill>
+          </a:ln>
+        </p:spPr>
+        <p:style>
+          <a:lnRef idx="2">
+            <a:schemeClr val="accent1">
+              <a:shade val="50000"/>
+            </a:schemeClr>
+          </a:lnRef>
+          <a:fillRef idx="1">
+            <a:schemeClr val="accent1"/>
+          </a:fillRef>
+          <a:effectRef idx="0">
+            <a:schemeClr val="accent1"/>
+          </a:effectRef>
+          <a:fontRef idx="minor">
+            <a:schemeClr val="lt1"/>
+          </a:fontRef>
+        </p:style>
+        <p:txBody>
+          <a:bodyPr rtlCol="0" anchor="ctr"/>
+          <a:lstStyle/>
+          <a:p>
+            <a:pPr algn="ctr"/>
+            <a:endParaRPr lang="fr-FR" dirty="0"/>
+          </a:p>
+        </p:txBody>
+      </p:sp>
+      <p:sp>
+        <p:nvSpPr>
+          <p:cNvPr id="5" name="Rectangle 4">
+            <a:extLst>
+              <a:ext uri="{FF2B5EF4-FFF2-40B4-BE49-F238E27FC236}">
+                <a16:creationId xmlns:a16="http://schemas.microsoft.com/office/drawing/2014/main" id="{FE52AB34-7D87-4265-9C9A-42830D74A818}"/>
+              </a:ext>
+            </a:extLst>
+          </p:cNvPr>
+          <p:cNvSpPr/>
+          <p:nvPr/>
+        </p:nvSpPr>
+        <p:spPr>
+          <a:xfrm>
+            <a:off x="4760381" y="3395133"/>
+            <a:ext cx="1202266" cy="2751667"/>
+          </a:xfrm>
+          <a:prstGeom prst="rect">
+            <a:avLst/>
+          </a:prstGeom>
+          <a:ln>
+            <a:noFill/>
+          </a:ln>
+        </p:spPr>
+        <p:style>
+          <a:lnRef idx="2">
+            <a:schemeClr val="accent1">
+              <a:shade val="50000"/>
+            </a:schemeClr>
+          </a:lnRef>
+          <a:fillRef idx="1">
+            <a:schemeClr val="accent1"/>
+          </a:fillRef>
+          <a:effectRef idx="0">
+            <a:schemeClr val="accent1"/>
+          </a:effectRef>
+          <a:fontRef idx="minor">
+            <a:schemeClr val="lt1"/>
+          </a:fontRef>
+        </p:style>
+        <p:txBody>
+          <a:bodyPr rtlCol="0" anchor="t"/>
+          <a:lstStyle/>
+          <a:p>
+            <a:pPr algn="ctr"/>
+            <a:r>
+              <a:rPr lang="fr-FR" dirty="0"/>
+              <a:t>Services internes</a:t>
+            </a:r>
+          </a:p>
+        </p:txBody>
+      </p:sp>
+      <p:sp>
+        <p:nvSpPr>
+          <p:cNvPr id="6" name="Rectangle 5">
+            <a:extLst>
+              <a:ext uri="{FF2B5EF4-FFF2-40B4-BE49-F238E27FC236}">
+                <a16:creationId xmlns:a16="http://schemas.microsoft.com/office/drawing/2014/main" id="{77893A86-BD94-424E-A8F6-EA91709D55B1}"/>
+              </a:ext>
+            </a:extLst>
+          </p:cNvPr>
+          <p:cNvSpPr/>
+          <p:nvPr/>
+        </p:nvSpPr>
+        <p:spPr>
+          <a:xfrm>
+            <a:off x="4760381" y="2776495"/>
+            <a:ext cx="2317752" cy="550333"/>
+          </a:xfrm>
+          <a:prstGeom prst="rect">
+            <a:avLst/>
+          </a:prstGeom>
+          <a:solidFill>
+            <a:schemeClr val="accent2">
+              <a:lumMod val="75000"/>
+            </a:schemeClr>
+          </a:solidFill>
+          <a:ln>
+            <a:noFill/>
+          </a:ln>
+        </p:spPr>
+        <p:style>
+          <a:lnRef idx="2">
+            <a:schemeClr val="accent1">
+              <a:shade val="50000"/>
+            </a:schemeClr>
+          </a:lnRef>
+          <a:fillRef idx="1">
+            <a:schemeClr val="accent1"/>
+          </a:fillRef>
+          <a:effectRef idx="0">
+            <a:schemeClr val="accent1"/>
+          </a:effectRef>
+          <a:fontRef idx="minor">
+            <a:schemeClr val="lt1"/>
+          </a:fontRef>
+        </p:style>
+        <p:txBody>
+          <a:bodyPr rtlCol="0" anchor="ctr"/>
+          <a:lstStyle/>
+          <a:p>
+            <a:pPr algn="ctr"/>
+            <a:r>
+              <a:rPr lang="fr-FR" dirty="0"/>
+              <a:t>Gestion des services internes</a:t>
+            </a:r>
+          </a:p>
+        </p:txBody>
+      </p:sp>
+      <p:sp>
+        <p:nvSpPr>
+          <p:cNvPr id="7" name="Rectangle 6">
+            <a:extLst>
+              <a:ext uri="{FF2B5EF4-FFF2-40B4-BE49-F238E27FC236}">
+                <a16:creationId xmlns:a16="http://schemas.microsoft.com/office/drawing/2014/main" id="{50A93BB7-4C5E-40B3-B916-A3707A5392D9}"/>
+              </a:ext>
+            </a:extLst>
+          </p:cNvPr>
+          <p:cNvSpPr/>
+          <p:nvPr/>
+        </p:nvSpPr>
+        <p:spPr>
+          <a:xfrm>
+            <a:off x="6182781" y="3860800"/>
+            <a:ext cx="1202265" cy="2285999"/>
+          </a:xfrm>
+          <a:prstGeom prst="rect">
+            <a:avLst/>
+          </a:prstGeom>
+          <a:solidFill>
+            <a:schemeClr val="accent6">
+              <a:lumMod val="75000"/>
+            </a:schemeClr>
+          </a:solidFill>
+          <a:ln>
+            <a:noFill/>
+          </a:ln>
+        </p:spPr>
+        <p:style>
+          <a:lnRef idx="2">
+            <a:schemeClr val="accent1">
+              <a:shade val="50000"/>
+            </a:schemeClr>
+          </a:lnRef>
+          <a:fillRef idx="1">
+            <a:schemeClr val="accent1"/>
+          </a:fillRef>
+          <a:effectRef idx="0">
+            <a:schemeClr val="accent1"/>
+          </a:effectRef>
+          <a:fontRef idx="minor">
+            <a:schemeClr val="lt1"/>
+          </a:fontRef>
+        </p:style>
+        <p:txBody>
+          <a:bodyPr rtlCol="0" anchor="t"/>
+          <a:lstStyle/>
+          <a:p>
+            <a:pPr algn="ctr"/>
+            <a:r>
+              <a:rPr lang="fr-FR" dirty="0"/>
+              <a:t>Services clients</a:t>
+            </a:r>
+          </a:p>
+        </p:txBody>
+      </p:sp>
+      <p:sp>
+        <p:nvSpPr>
+          <p:cNvPr id="14" name="Rectangle 13">
+            <a:extLst>
+              <a:ext uri="{FF2B5EF4-FFF2-40B4-BE49-F238E27FC236}">
+                <a16:creationId xmlns:a16="http://schemas.microsoft.com/office/drawing/2014/main" id="{0CB94C8C-8712-4246-94EE-FB60FAC533FD}"/>
+              </a:ext>
+            </a:extLst>
+          </p:cNvPr>
+          <p:cNvSpPr/>
+          <p:nvPr/>
+        </p:nvSpPr>
+        <p:spPr>
+          <a:xfrm>
+            <a:off x="5283198" y="1172631"/>
+            <a:ext cx="1625601" cy="745067"/>
+          </a:xfrm>
+          <a:prstGeom prst="rect">
+            <a:avLst/>
+          </a:prstGeom>
+        </p:spPr>
+        <p:style>
+          <a:lnRef idx="2">
+            <a:schemeClr val="accent1">
+              <a:shade val="50000"/>
+            </a:schemeClr>
+          </a:lnRef>
+          <a:fillRef idx="1">
+            <a:schemeClr val="accent1"/>
+          </a:fillRef>
+          <a:effectRef idx="0">
+            <a:schemeClr val="accent1"/>
+          </a:effectRef>
+          <a:fontRef idx="minor">
+            <a:schemeClr val="lt1"/>
+          </a:fontRef>
+        </p:style>
+        <p:txBody>
+          <a:bodyPr rtlCol="0" anchor="ctr"/>
+          <a:lstStyle/>
+          <a:p>
+            <a:pPr algn="ctr"/>
+            <a:r>
+              <a:rPr lang="fr-FR" dirty="0"/>
+              <a:t>VPN</a:t>
+            </a:r>
+          </a:p>
+        </p:txBody>
+      </p:sp>
+      <p:sp>
+        <p:nvSpPr>
+          <p:cNvPr id="23" name="Rectangle 22">
+            <a:extLst>
+              <a:ext uri="{FF2B5EF4-FFF2-40B4-BE49-F238E27FC236}">
+                <a16:creationId xmlns:a16="http://schemas.microsoft.com/office/drawing/2014/main" id="{E8B8AE60-22CB-492F-9515-8101A4692556}"/>
+              </a:ext>
+            </a:extLst>
+          </p:cNvPr>
+          <p:cNvSpPr/>
+          <p:nvPr/>
+        </p:nvSpPr>
+        <p:spPr>
+          <a:xfrm>
+            <a:off x="905932" y="2370667"/>
+            <a:ext cx="3031068" cy="4064000"/>
+          </a:xfrm>
+          <a:prstGeom prst="rect">
+            <a:avLst/>
+          </a:prstGeom>
+          <a:solidFill>
+            <a:schemeClr val="tx1">
+              <a:lumMod val="50000"/>
+              <a:lumOff val="50000"/>
+            </a:schemeClr>
+          </a:solidFill>
+        </p:spPr>
+        <p:style>
+          <a:lnRef idx="2">
+            <a:schemeClr val="accent1">
+              <a:shade val="50000"/>
+            </a:schemeClr>
+          </a:lnRef>
+          <a:fillRef idx="1">
+            <a:schemeClr val="accent1"/>
+          </a:fillRef>
+          <a:effectRef idx="0">
+            <a:schemeClr val="accent1"/>
+          </a:effectRef>
+          <a:fontRef idx="minor">
+            <a:schemeClr val="lt1"/>
+          </a:fontRef>
+        </p:style>
+        <p:txBody>
+          <a:bodyPr rtlCol="0" anchor="ctr"/>
+          <a:lstStyle/>
+          <a:p>
+            <a:pPr algn="ctr"/>
+            <a:endParaRPr lang="fr-FR"/>
+          </a:p>
+        </p:txBody>
+      </p:sp>
+      <p:sp>
+        <p:nvSpPr>
+          <p:cNvPr id="24" name="Rectangle 23">
+            <a:extLst>
+              <a:ext uri="{FF2B5EF4-FFF2-40B4-BE49-F238E27FC236}">
+                <a16:creationId xmlns:a16="http://schemas.microsoft.com/office/drawing/2014/main" id="{3D1920ED-F29E-4ECA-8C43-7A02CE06901F}"/>
+              </a:ext>
+            </a:extLst>
+          </p:cNvPr>
+          <p:cNvSpPr/>
+          <p:nvPr/>
+        </p:nvSpPr>
+        <p:spPr>
+          <a:xfrm>
+            <a:off x="1092199" y="3395133"/>
+            <a:ext cx="1202266" cy="2751667"/>
+          </a:xfrm>
+          <a:prstGeom prst="rect">
+            <a:avLst/>
+          </a:prstGeom>
+          <a:ln>
+            <a:noFill/>
+          </a:ln>
+        </p:spPr>
+        <p:style>
+          <a:lnRef idx="2">
+            <a:schemeClr val="accent1">
+              <a:shade val="50000"/>
+            </a:schemeClr>
+          </a:lnRef>
+          <a:fillRef idx="1">
+            <a:schemeClr val="accent1"/>
+          </a:fillRef>
+          <a:effectRef idx="0">
+            <a:schemeClr val="accent1"/>
+          </a:effectRef>
+          <a:fontRef idx="minor">
+            <a:schemeClr val="lt1"/>
+          </a:fontRef>
+        </p:style>
+        <p:txBody>
+          <a:bodyPr rtlCol="0" anchor="t"/>
+          <a:lstStyle/>
+          <a:p>
+            <a:pPr algn="ctr"/>
+            <a:r>
+              <a:rPr lang="fr-FR" dirty="0"/>
+              <a:t>Services internes</a:t>
+            </a:r>
+          </a:p>
+        </p:txBody>
+      </p:sp>
+      <p:sp>
+        <p:nvSpPr>
+          <p:cNvPr id="26" name="Rectangle 25">
+            <a:extLst>
+              <a:ext uri="{FF2B5EF4-FFF2-40B4-BE49-F238E27FC236}">
+                <a16:creationId xmlns:a16="http://schemas.microsoft.com/office/drawing/2014/main" id="{B5CE6B2F-C410-4281-8629-A7CABC9EAA3D}"/>
+              </a:ext>
+            </a:extLst>
+          </p:cNvPr>
+          <p:cNvSpPr/>
+          <p:nvPr/>
+        </p:nvSpPr>
+        <p:spPr>
+          <a:xfrm>
+            <a:off x="8039100" y="2370667"/>
+            <a:ext cx="3031068" cy="4064000"/>
+          </a:xfrm>
+          <a:prstGeom prst="rect">
+            <a:avLst/>
+          </a:prstGeom>
+          <a:solidFill>
+            <a:schemeClr val="tx1">
+              <a:lumMod val="50000"/>
+              <a:lumOff val="50000"/>
+            </a:schemeClr>
+          </a:solidFill>
+        </p:spPr>
+        <p:style>
+          <a:lnRef idx="2">
+            <a:schemeClr val="accent1">
+              <a:shade val="50000"/>
+            </a:schemeClr>
+          </a:lnRef>
+          <a:fillRef idx="1">
+            <a:schemeClr val="accent1"/>
+          </a:fillRef>
+          <a:effectRef idx="0">
+            <a:schemeClr val="accent1"/>
+          </a:effectRef>
+          <a:fontRef idx="minor">
+            <a:schemeClr val="lt1"/>
+          </a:fontRef>
+        </p:style>
+        <p:txBody>
+          <a:bodyPr rtlCol="0" anchor="ctr"/>
+          <a:lstStyle/>
+          <a:p>
+            <a:pPr algn="ctr"/>
+            <a:endParaRPr lang="fr-FR" dirty="0"/>
+          </a:p>
+        </p:txBody>
+      </p:sp>
+      <p:sp>
+        <p:nvSpPr>
+          <p:cNvPr id="27" name="Rectangle 26">
+            <a:extLst>
+              <a:ext uri="{FF2B5EF4-FFF2-40B4-BE49-F238E27FC236}">
+                <a16:creationId xmlns:a16="http://schemas.microsoft.com/office/drawing/2014/main" id="{E18D652F-1AD0-44C5-978A-62538145A48D}"/>
+              </a:ext>
+            </a:extLst>
+          </p:cNvPr>
+          <p:cNvSpPr/>
+          <p:nvPr/>
+        </p:nvSpPr>
+        <p:spPr>
+          <a:xfrm>
+            <a:off x="8225367" y="3395133"/>
+            <a:ext cx="1202266" cy="2751667"/>
+          </a:xfrm>
+          <a:prstGeom prst="rect">
+            <a:avLst/>
+          </a:prstGeom>
+          <a:ln>
+            <a:noFill/>
+          </a:ln>
+        </p:spPr>
+        <p:style>
+          <a:lnRef idx="2">
+            <a:schemeClr val="accent1">
+              <a:shade val="50000"/>
+            </a:schemeClr>
+          </a:lnRef>
+          <a:fillRef idx="1">
+            <a:schemeClr val="accent1"/>
+          </a:fillRef>
+          <a:effectRef idx="0">
+            <a:schemeClr val="accent1"/>
+          </a:effectRef>
+          <a:fontRef idx="minor">
+            <a:schemeClr val="lt1"/>
+          </a:fontRef>
+        </p:style>
+        <p:txBody>
+          <a:bodyPr rtlCol="0" anchor="t"/>
+          <a:lstStyle/>
+          <a:p>
+            <a:pPr algn="ctr"/>
+            <a:r>
+              <a:rPr lang="fr-FR" dirty="0"/>
+              <a:t>Services internes</a:t>
+            </a:r>
+          </a:p>
+        </p:txBody>
+      </p:sp>
+      <p:cxnSp>
+        <p:nvCxnSpPr>
+          <p:cNvPr id="30" name="Connecteur : en angle 29">
+            <a:extLst>
+              <a:ext uri="{FF2B5EF4-FFF2-40B4-BE49-F238E27FC236}">
+                <a16:creationId xmlns:a16="http://schemas.microsoft.com/office/drawing/2014/main" id="{361BE067-70F3-40BD-B91A-365F28633785}"/>
+              </a:ext>
+            </a:extLst>
+          </p:cNvPr>
+          <p:cNvCxnSpPr>
+            <a:cxnSpLocks/>
+            <a:stCxn id="26" idx="0"/>
+            <a:endCxn id="14" idx="3"/>
+          </p:cNvCxnSpPr>
+          <p:nvPr/>
+        </p:nvCxnSpPr>
+        <p:spPr>
+          <a:xfrm rot="16200000" flipV="1">
+            <a:off x="7818966" y="634998"/>
+            <a:ext cx="825502" cy="2645835"/>
+          </a:xfrm>
+          <a:prstGeom prst="bentConnector2">
+            <a:avLst/>
+          </a:prstGeom>
+          <a:ln>
+            <a:tailEnd type="triangle"/>
+          </a:ln>
+        </p:spPr>
+        <p:style>
+          <a:lnRef idx="3">
+            <a:schemeClr val="accent1"/>
+          </a:lnRef>
+          <a:fillRef idx="0">
+            <a:schemeClr val="accent1"/>
+          </a:fillRef>
+          <a:effectRef idx="2">
+            <a:schemeClr val="accent1"/>
+          </a:effectRef>
+          <a:fontRef idx="minor">
+            <a:schemeClr val="tx1"/>
+          </a:fontRef>
+        </p:style>
+      </p:cxnSp>
+      <p:cxnSp>
+        <p:nvCxnSpPr>
+          <p:cNvPr id="32" name="Connecteur : en angle 31">
+            <a:extLst>
+              <a:ext uri="{FF2B5EF4-FFF2-40B4-BE49-F238E27FC236}">
+                <a16:creationId xmlns:a16="http://schemas.microsoft.com/office/drawing/2014/main" id="{9855C561-48C1-4E85-A16C-DA78E237A1CB}"/>
+              </a:ext>
+            </a:extLst>
+          </p:cNvPr>
+          <p:cNvCxnSpPr>
+            <a:cxnSpLocks/>
+            <a:endCxn id="14" idx="2"/>
+          </p:cNvCxnSpPr>
+          <p:nvPr/>
+        </p:nvCxnSpPr>
+        <p:spPr>
+          <a:xfrm rot="5400000" flipH="1" flipV="1">
+            <a:off x="5869515" y="2144181"/>
+            <a:ext cx="452967" cy="2"/>
+          </a:xfrm>
+          <a:prstGeom prst="bentConnector3">
+            <a:avLst>
+              <a:gd name="adj1" fmla="val 50000"/>
+            </a:avLst>
+          </a:prstGeom>
+          <a:ln>
+            <a:tailEnd type="triangle"/>
+          </a:ln>
+        </p:spPr>
+        <p:style>
+          <a:lnRef idx="3">
+            <a:schemeClr val="accent1"/>
+          </a:lnRef>
+          <a:fillRef idx="0">
+            <a:schemeClr val="accent1"/>
+          </a:fillRef>
+          <a:effectRef idx="2">
+            <a:schemeClr val="accent1"/>
+          </a:effectRef>
+          <a:fontRef idx="minor">
+            <a:schemeClr val="tx1"/>
+          </a:fontRef>
+        </p:style>
+      </p:cxnSp>
+      <p:cxnSp>
+        <p:nvCxnSpPr>
+          <p:cNvPr id="38" name="Connecteur : en angle 37">
+            <a:extLst>
+              <a:ext uri="{FF2B5EF4-FFF2-40B4-BE49-F238E27FC236}">
+                <a16:creationId xmlns:a16="http://schemas.microsoft.com/office/drawing/2014/main" id="{C56204B4-FE3F-4029-B406-E9224E561919}"/>
+              </a:ext>
+            </a:extLst>
+          </p:cNvPr>
+          <p:cNvCxnSpPr>
+            <a:cxnSpLocks/>
+            <a:stCxn id="23" idx="0"/>
+            <a:endCxn id="14" idx="1"/>
+          </p:cNvCxnSpPr>
+          <p:nvPr/>
+        </p:nvCxnSpPr>
+        <p:spPr>
+          <a:xfrm rot="5400000" flipH="1" flipV="1">
+            <a:off x="3439581" y="527050"/>
+            <a:ext cx="825502" cy="2861732"/>
+          </a:xfrm>
+          <a:prstGeom prst="bentConnector2">
+            <a:avLst/>
+          </a:prstGeom>
+          <a:ln>
+            <a:tailEnd type="triangle"/>
+          </a:ln>
+        </p:spPr>
+        <p:style>
+          <a:lnRef idx="3">
+            <a:schemeClr val="accent1"/>
+          </a:lnRef>
+          <a:fillRef idx="0">
+            <a:schemeClr val="accent1"/>
+          </a:fillRef>
+          <a:effectRef idx="2">
+            <a:schemeClr val="accent1"/>
+          </a:effectRef>
+          <a:fontRef idx="minor">
+            <a:schemeClr val="tx1"/>
+          </a:fontRef>
+        </p:style>
+      </p:cxnSp>
+      <p:sp>
+        <p:nvSpPr>
+          <p:cNvPr id="43" name="ZoneTexte 42">
+            <a:extLst>
+              <a:ext uri="{FF2B5EF4-FFF2-40B4-BE49-F238E27FC236}">
+                <a16:creationId xmlns:a16="http://schemas.microsoft.com/office/drawing/2014/main" id="{1742541F-AB82-447C-95DF-96736A04B47D}"/>
+              </a:ext>
+            </a:extLst>
+          </p:cNvPr>
+          <p:cNvSpPr txBox="1"/>
+          <p:nvPr/>
+        </p:nvSpPr>
+        <p:spPr>
+          <a:xfrm>
+            <a:off x="5470524" y="2398182"/>
+            <a:ext cx="1250951" cy="369332"/>
+          </a:xfrm>
+          <a:prstGeom prst="rect">
+            <a:avLst/>
+          </a:prstGeom>
+          <a:noFill/>
+        </p:spPr>
+        <p:txBody>
+          <a:bodyPr wrap="square" rtlCol="0">
+            <a:spAutoFit/>
+          </a:bodyPr>
+          <a:lstStyle/>
+          <a:p>
+            <a:r>
+              <a:rPr lang="fr-FR" dirty="0"/>
+              <a:t>Nœud root</a:t>
+            </a:r>
+          </a:p>
+        </p:txBody>
+      </p:sp>
+      <p:sp>
+        <p:nvSpPr>
+          <p:cNvPr id="46" name="ZoneTexte 45">
+            <a:extLst>
+              <a:ext uri="{FF2B5EF4-FFF2-40B4-BE49-F238E27FC236}">
+                <a16:creationId xmlns:a16="http://schemas.microsoft.com/office/drawing/2014/main" id="{3B37388D-FA80-4817-B84A-4271943DED6F}"/>
+              </a:ext>
+            </a:extLst>
+          </p:cNvPr>
+          <p:cNvSpPr txBox="1"/>
+          <p:nvPr/>
+        </p:nvSpPr>
+        <p:spPr>
+          <a:xfrm>
+            <a:off x="8553979" y="2428383"/>
+            <a:ext cx="2001309" cy="369332"/>
+          </a:xfrm>
+          <a:prstGeom prst="rect">
+            <a:avLst/>
+          </a:prstGeom>
+          <a:noFill/>
+        </p:spPr>
+        <p:txBody>
+          <a:bodyPr wrap="square" rtlCol="0">
+            <a:spAutoFit/>
+          </a:bodyPr>
+          <a:lstStyle/>
+          <a:p>
+            <a:r>
+              <a:rPr lang="fr-FR" dirty="0"/>
+              <a:t>Nœud secondaire</a:t>
+            </a:r>
+          </a:p>
+        </p:txBody>
+      </p:sp>
+      <p:sp>
+        <p:nvSpPr>
+          <p:cNvPr id="47" name="ZoneTexte 46">
+            <a:extLst>
+              <a:ext uri="{FF2B5EF4-FFF2-40B4-BE49-F238E27FC236}">
+                <a16:creationId xmlns:a16="http://schemas.microsoft.com/office/drawing/2014/main" id="{F65DC3BA-1C77-44E6-8CA1-31F16B4EE79A}"/>
+              </a:ext>
+            </a:extLst>
+          </p:cNvPr>
+          <p:cNvSpPr txBox="1"/>
+          <p:nvPr/>
+        </p:nvSpPr>
+        <p:spPr>
+          <a:xfrm>
+            <a:off x="1420811" y="2407163"/>
+            <a:ext cx="2001309" cy="369332"/>
+          </a:xfrm>
+          <a:prstGeom prst="rect">
+            <a:avLst/>
+          </a:prstGeom>
+          <a:noFill/>
+        </p:spPr>
+        <p:txBody>
+          <a:bodyPr wrap="square" rtlCol="0">
+            <a:spAutoFit/>
+          </a:bodyPr>
+          <a:lstStyle/>
+          <a:p>
+            <a:r>
+              <a:rPr lang="fr-FR" dirty="0"/>
+              <a:t>Nœud secondaire</a:t>
+            </a:r>
+          </a:p>
+        </p:txBody>
+      </p:sp>
+      <p:sp>
+        <p:nvSpPr>
+          <p:cNvPr id="19" name="Rectangle 18">
+            <a:extLst>
+              <a:ext uri="{FF2B5EF4-FFF2-40B4-BE49-F238E27FC236}">
+                <a16:creationId xmlns:a16="http://schemas.microsoft.com/office/drawing/2014/main" id="{4BB0CA61-804C-4F93-BE01-728BE701006F}"/>
+              </a:ext>
+            </a:extLst>
+          </p:cNvPr>
+          <p:cNvSpPr/>
+          <p:nvPr/>
+        </p:nvSpPr>
+        <p:spPr>
+          <a:xfrm>
+            <a:off x="6182779" y="3378766"/>
+            <a:ext cx="1202267" cy="401031"/>
+          </a:xfrm>
+          <a:prstGeom prst="rect">
+            <a:avLst/>
+          </a:prstGeom>
+          <a:solidFill>
+            <a:schemeClr val="accent6">
+              <a:lumMod val="60000"/>
+              <a:lumOff val="40000"/>
+            </a:schemeClr>
+          </a:solidFill>
+          <a:ln>
+            <a:noFill/>
+          </a:ln>
+        </p:spPr>
+        <p:style>
+          <a:lnRef idx="2">
+            <a:schemeClr val="accent1">
+              <a:shade val="50000"/>
+            </a:schemeClr>
+          </a:lnRef>
+          <a:fillRef idx="1">
+            <a:schemeClr val="accent1"/>
+          </a:fillRef>
+          <a:effectRef idx="0">
+            <a:schemeClr val="accent1"/>
+          </a:effectRef>
+          <a:fontRef idx="minor">
+            <a:schemeClr val="lt1"/>
+          </a:fontRef>
+        </p:style>
+        <p:txBody>
+          <a:bodyPr rtlCol="0" anchor="ctr"/>
+          <a:lstStyle/>
+          <a:p>
+            <a:pPr algn="ctr"/>
+            <a:r>
+              <a:rPr lang="fr-FR" dirty="0"/>
+              <a:t>routeur</a:t>
+            </a:r>
+          </a:p>
+        </p:txBody>
+      </p:sp>
+      <p:cxnSp>
+        <p:nvCxnSpPr>
+          <p:cNvPr id="3" name="Connecteur droit avec flèche 2">
+            <a:extLst>
+              <a:ext uri="{FF2B5EF4-FFF2-40B4-BE49-F238E27FC236}">
+                <a16:creationId xmlns:a16="http://schemas.microsoft.com/office/drawing/2014/main" id="{8CCA9654-27A4-43A5-AA53-D758488466E8}"/>
+              </a:ext>
+            </a:extLst>
+          </p:cNvPr>
+          <p:cNvCxnSpPr>
+            <a:cxnSpLocks/>
+            <a:stCxn id="19" idx="2"/>
+            <a:endCxn id="7" idx="0"/>
+          </p:cNvCxnSpPr>
+          <p:nvPr/>
+        </p:nvCxnSpPr>
+        <p:spPr>
+          <a:xfrm>
+            <a:off x="6783913" y="3779797"/>
+            <a:ext cx="1" cy="81003"/>
+          </a:xfrm>
+          <a:prstGeom prst="straightConnector1">
+            <a:avLst/>
+          </a:prstGeom>
+          <a:ln>
+            <a:headEnd type="triangle"/>
+            <a:tailEnd type="triangle"/>
+          </a:ln>
+        </p:spPr>
+        <p:style>
+          <a:lnRef idx="1">
+            <a:schemeClr val="accent1"/>
+          </a:lnRef>
+          <a:fillRef idx="0">
+            <a:schemeClr val="accent1"/>
+          </a:fillRef>
+          <a:effectRef idx="0">
+            <a:schemeClr val="accent1"/>
+          </a:effectRef>
+          <a:fontRef idx="minor">
+            <a:schemeClr val="tx1"/>
+          </a:fontRef>
+        </p:style>
+      </p:cxnSp>
+      <p:sp>
+        <p:nvSpPr>
+          <p:cNvPr id="29" name="Rectangle 28">
+            <a:extLst>
+              <a:ext uri="{FF2B5EF4-FFF2-40B4-BE49-F238E27FC236}">
+                <a16:creationId xmlns:a16="http://schemas.microsoft.com/office/drawing/2014/main" id="{5212E8DD-5050-46AF-9327-3021F7A08669}"/>
+              </a:ext>
+            </a:extLst>
+          </p:cNvPr>
+          <p:cNvSpPr/>
+          <p:nvPr/>
+        </p:nvSpPr>
+        <p:spPr>
+          <a:xfrm>
+            <a:off x="2508249" y="3860800"/>
+            <a:ext cx="1202265" cy="2285999"/>
+          </a:xfrm>
+          <a:prstGeom prst="rect">
+            <a:avLst/>
+          </a:prstGeom>
+          <a:solidFill>
+            <a:schemeClr val="accent6">
+              <a:lumMod val="75000"/>
+            </a:schemeClr>
+          </a:solidFill>
+          <a:ln>
+            <a:noFill/>
+          </a:ln>
+        </p:spPr>
+        <p:style>
+          <a:lnRef idx="2">
+            <a:schemeClr val="accent1">
+              <a:shade val="50000"/>
+            </a:schemeClr>
+          </a:lnRef>
+          <a:fillRef idx="1">
+            <a:schemeClr val="accent1"/>
+          </a:fillRef>
+          <a:effectRef idx="0">
+            <a:schemeClr val="accent1"/>
+          </a:effectRef>
+          <a:fontRef idx="minor">
+            <a:schemeClr val="lt1"/>
+          </a:fontRef>
+        </p:style>
+        <p:txBody>
+          <a:bodyPr rtlCol="0" anchor="t"/>
+          <a:lstStyle/>
+          <a:p>
+            <a:pPr algn="ctr"/>
+            <a:r>
+              <a:rPr lang="fr-FR" dirty="0"/>
+              <a:t>Services clients</a:t>
+            </a:r>
+          </a:p>
+        </p:txBody>
+      </p:sp>
+      <p:sp>
+        <p:nvSpPr>
+          <p:cNvPr id="31" name="Rectangle 30">
+            <a:extLst>
+              <a:ext uri="{FF2B5EF4-FFF2-40B4-BE49-F238E27FC236}">
+                <a16:creationId xmlns:a16="http://schemas.microsoft.com/office/drawing/2014/main" id="{41B18E04-5349-4556-911F-03ABEB92B991}"/>
+              </a:ext>
+            </a:extLst>
+          </p:cNvPr>
+          <p:cNvSpPr/>
+          <p:nvPr/>
+        </p:nvSpPr>
+        <p:spPr>
+          <a:xfrm>
+            <a:off x="2508247" y="3378766"/>
+            <a:ext cx="1202267" cy="401031"/>
+          </a:xfrm>
+          <a:prstGeom prst="rect">
+            <a:avLst/>
+          </a:prstGeom>
+          <a:solidFill>
+            <a:schemeClr val="accent6">
+              <a:lumMod val="60000"/>
+              <a:lumOff val="40000"/>
+            </a:schemeClr>
+          </a:solidFill>
+          <a:ln>
+            <a:noFill/>
+          </a:ln>
+        </p:spPr>
+        <p:style>
+          <a:lnRef idx="2">
+            <a:schemeClr val="accent1">
+              <a:shade val="50000"/>
+            </a:schemeClr>
+          </a:lnRef>
+          <a:fillRef idx="1">
+            <a:schemeClr val="accent1"/>
+          </a:fillRef>
+          <a:effectRef idx="0">
+            <a:schemeClr val="accent1"/>
+          </a:effectRef>
+          <a:fontRef idx="minor">
+            <a:schemeClr val="lt1"/>
+          </a:fontRef>
+        </p:style>
+        <p:txBody>
+          <a:bodyPr rtlCol="0" anchor="ctr"/>
+          <a:lstStyle/>
+          <a:p>
+            <a:pPr algn="ctr"/>
+            <a:r>
+              <a:rPr lang="fr-FR" dirty="0"/>
+              <a:t>routeur</a:t>
+            </a:r>
+          </a:p>
+        </p:txBody>
+      </p:sp>
+      <p:cxnSp>
+        <p:nvCxnSpPr>
+          <p:cNvPr id="33" name="Connecteur droit avec flèche 32">
+            <a:extLst>
+              <a:ext uri="{FF2B5EF4-FFF2-40B4-BE49-F238E27FC236}">
+                <a16:creationId xmlns:a16="http://schemas.microsoft.com/office/drawing/2014/main" id="{AF13B1BD-2917-4FD4-88D4-808A1326ADCE}"/>
+              </a:ext>
+            </a:extLst>
+          </p:cNvPr>
+          <p:cNvCxnSpPr>
+            <a:cxnSpLocks/>
+            <a:stCxn id="31" idx="2"/>
+            <a:endCxn id="29" idx="0"/>
+          </p:cNvCxnSpPr>
+          <p:nvPr/>
+        </p:nvCxnSpPr>
+        <p:spPr>
+          <a:xfrm>
+            <a:off x="3109381" y="3779797"/>
+            <a:ext cx="1" cy="81003"/>
+          </a:xfrm>
+          <a:prstGeom prst="straightConnector1">
+            <a:avLst/>
+          </a:prstGeom>
+          <a:ln>
+            <a:headEnd type="triangle"/>
+            <a:tailEnd type="triangle"/>
+          </a:ln>
+        </p:spPr>
+        <p:style>
+          <a:lnRef idx="1">
+            <a:schemeClr val="accent1"/>
+          </a:lnRef>
+          <a:fillRef idx="0">
+            <a:schemeClr val="accent1"/>
+          </a:fillRef>
+          <a:effectRef idx="0">
+            <a:schemeClr val="accent1"/>
+          </a:effectRef>
+          <a:fontRef idx="minor">
+            <a:schemeClr val="tx1"/>
+          </a:fontRef>
+        </p:style>
+      </p:cxnSp>
+      <p:sp>
+        <p:nvSpPr>
+          <p:cNvPr id="34" name="Rectangle 33">
+            <a:extLst>
+              <a:ext uri="{FF2B5EF4-FFF2-40B4-BE49-F238E27FC236}">
+                <a16:creationId xmlns:a16="http://schemas.microsoft.com/office/drawing/2014/main" id="{81AD4FF7-47F8-4748-8409-1922001B8237}"/>
+              </a:ext>
+            </a:extLst>
+          </p:cNvPr>
+          <p:cNvSpPr/>
+          <p:nvPr/>
+        </p:nvSpPr>
+        <p:spPr>
+          <a:xfrm>
+            <a:off x="9647767" y="3865030"/>
+            <a:ext cx="1202265" cy="2285999"/>
+          </a:xfrm>
+          <a:prstGeom prst="rect">
+            <a:avLst/>
+          </a:prstGeom>
+          <a:solidFill>
+            <a:schemeClr val="accent6">
+              <a:lumMod val="75000"/>
+            </a:schemeClr>
+          </a:solidFill>
+          <a:ln>
+            <a:noFill/>
+          </a:ln>
+        </p:spPr>
+        <p:style>
+          <a:lnRef idx="2">
+            <a:schemeClr val="accent1">
+              <a:shade val="50000"/>
+            </a:schemeClr>
+          </a:lnRef>
+          <a:fillRef idx="1">
+            <a:schemeClr val="accent1"/>
+          </a:fillRef>
+          <a:effectRef idx="0">
+            <a:schemeClr val="accent1"/>
+          </a:effectRef>
+          <a:fontRef idx="minor">
+            <a:schemeClr val="lt1"/>
+          </a:fontRef>
+        </p:style>
+        <p:txBody>
+          <a:bodyPr rtlCol="0" anchor="t"/>
+          <a:lstStyle/>
+          <a:p>
+            <a:pPr algn="ctr"/>
+            <a:r>
+              <a:rPr lang="fr-FR" dirty="0"/>
+              <a:t>Services clients</a:t>
+            </a:r>
+          </a:p>
+        </p:txBody>
+      </p:sp>
+      <p:sp>
+        <p:nvSpPr>
+          <p:cNvPr id="35" name="Rectangle 34">
+            <a:extLst>
+              <a:ext uri="{FF2B5EF4-FFF2-40B4-BE49-F238E27FC236}">
+                <a16:creationId xmlns:a16="http://schemas.microsoft.com/office/drawing/2014/main" id="{97196560-FF79-4850-B4A3-537538941E92}"/>
+              </a:ext>
+            </a:extLst>
+          </p:cNvPr>
+          <p:cNvSpPr/>
+          <p:nvPr/>
+        </p:nvSpPr>
+        <p:spPr>
+          <a:xfrm>
+            <a:off x="9647765" y="3382996"/>
+            <a:ext cx="1202267" cy="401031"/>
+          </a:xfrm>
+          <a:prstGeom prst="rect">
+            <a:avLst/>
+          </a:prstGeom>
+          <a:solidFill>
+            <a:schemeClr val="accent6">
+              <a:lumMod val="60000"/>
+              <a:lumOff val="40000"/>
+            </a:schemeClr>
+          </a:solidFill>
+          <a:ln>
+            <a:noFill/>
+          </a:ln>
+        </p:spPr>
+        <p:style>
+          <a:lnRef idx="2">
+            <a:schemeClr val="accent1">
+              <a:shade val="50000"/>
+            </a:schemeClr>
+          </a:lnRef>
+          <a:fillRef idx="1">
+            <a:schemeClr val="accent1"/>
+          </a:fillRef>
+          <a:effectRef idx="0">
+            <a:schemeClr val="accent1"/>
+          </a:effectRef>
+          <a:fontRef idx="minor">
+            <a:schemeClr val="lt1"/>
+          </a:fontRef>
+        </p:style>
+        <p:txBody>
+          <a:bodyPr rtlCol="0" anchor="ctr"/>
+          <a:lstStyle/>
+          <a:p>
+            <a:pPr algn="ctr"/>
+            <a:r>
+              <a:rPr lang="fr-FR" dirty="0"/>
+              <a:t>routeur</a:t>
+            </a:r>
+          </a:p>
+        </p:txBody>
+      </p:sp>
+      <p:cxnSp>
+        <p:nvCxnSpPr>
+          <p:cNvPr id="36" name="Connecteur droit avec flèche 35">
+            <a:extLst>
+              <a:ext uri="{FF2B5EF4-FFF2-40B4-BE49-F238E27FC236}">
+                <a16:creationId xmlns:a16="http://schemas.microsoft.com/office/drawing/2014/main" id="{1371322F-082F-4037-BADC-135875687D8D}"/>
+              </a:ext>
+            </a:extLst>
+          </p:cNvPr>
+          <p:cNvCxnSpPr>
+            <a:cxnSpLocks/>
+            <a:stCxn id="35" idx="2"/>
+            <a:endCxn id="34" idx="0"/>
+          </p:cNvCxnSpPr>
+          <p:nvPr/>
+        </p:nvCxnSpPr>
+        <p:spPr>
+          <a:xfrm>
+            <a:off x="10248899" y="3784027"/>
+            <a:ext cx="1" cy="81003"/>
+          </a:xfrm>
+          <a:prstGeom prst="straightConnector1">
+            <a:avLst/>
+          </a:prstGeom>
+          <a:ln>
+            <a:headEnd type="triangle"/>
+            <a:tailEnd type="triangle"/>
+          </a:ln>
+        </p:spPr>
+        <p:style>
+          <a:lnRef idx="1">
+            <a:schemeClr val="accent1"/>
+          </a:lnRef>
+          <a:fillRef idx="0">
+            <a:schemeClr val="accent1"/>
+          </a:fillRef>
+          <a:effectRef idx="0">
+            <a:schemeClr val="accent1"/>
+          </a:effectRef>
+          <a:fontRef idx="minor">
+            <a:schemeClr val="tx1"/>
+          </a:fontRef>
+        </p:style>
+      </p:cxnSp>
+      <p:cxnSp>
+        <p:nvCxnSpPr>
+          <p:cNvPr id="13" name="Connecteur : en angle 12">
+            <a:extLst>
+              <a:ext uri="{FF2B5EF4-FFF2-40B4-BE49-F238E27FC236}">
+                <a16:creationId xmlns:a16="http://schemas.microsoft.com/office/drawing/2014/main" id="{0383FF26-A1D6-4BAF-B2AE-1BB13D6537F6}"/>
+              </a:ext>
+            </a:extLst>
+          </p:cNvPr>
+          <p:cNvCxnSpPr>
+            <a:cxnSpLocks/>
+            <a:endCxn id="37" idx="3"/>
+          </p:cNvCxnSpPr>
+          <p:nvPr/>
+        </p:nvCxnSpPr>
+        <p:spPr>
+          <a:xfrm rot="16200000" flipV="1">
+            <a:off x="5675557" y="1840723"/>
+            <a:ext cx="2764936" cy="311153"/>
+          </a:xfrm>
+          <a:prstGeom prst="bentConnector2">
+            <a:avLst/>
+          </a:prstGeom>
+          <a:ln>
+            <a:headEnd type="triangle"/>
+            <a:tailEnd type="triangle"/>
+          </a:ln>
+        </p:spPr>
+        <p:style>
+          <a:lnRef idx="3">
+            <a:schemeClr val="accent1"/>
+          </a:lnRef>
+          <a:fillRef idx="0">
+            <a:schemeClr val="accent1"/>
+          </a:fillRef>
+          <a:effectRef idx="2">
+            <a:schemeClr val="accent1"/>
+          </a:effectRef>
+          <a:fontRef idx="minor">
+            <a:schemeClr val="tx1"/>
+          </a:fontRef>
+        </p:style>
+      </p:cxnSp>
+      <p:sp>
+        <p:nvSpPr>
+          <p:cNvPr id="37" name="Rectangle 36">
+            <a:extLst>
+              <a:ext uri="{FF2B5EF4-FFF2-40B4-BE49-F238E27FC236}">
+                <a16:creationId xmlns:a16="http://schemas.microsoft.com/office/drawing/2014/main" id="{3B8032D4-3059-41B5-87A5-FEF107DDDD34}"/>
+              </a:ext>
+            </a:extLst>
+          </p:cNvPr>
+          <p:cNvSpPr/>
+          <p:nvPr/>
+        </p:nvSpPr>
+        <p:spPr>
+          <a:xfrm>
+            <a:off x="5276847" y="241298"/>
+            <a:ext cx="1625601" cy="745067"/>
+          </a:xfrm>
+          <a:prstGeom prst="rect">
+            <a:avLst/>
+          </a:prstGeom>
+        </p:spPr>
+        <p:style>
+          <a:lnRef idx="2">
+            <a:schemeClr val="accent1">
+              <a:shade val="50000"/>
+            </a:schemeClr>
+          </a:lnRef>
+          <a:fillRef idx="1">
+            <a:schemeClr val="accent1"/>
+          </a:fillRef>
+          <a:effectRef idx="0">
+            <a:schemeClr val="accent1"/>
+          </a:effectRef>
+          <a:fontRef idx="minor">
+            <a:schemeClr val="lt1"/>
+          </a:fontRef>
+        </p:style>
+        <p:txBody>
+          <a:bodyPr rtlCol="0" anchor="ctr"/>
+          <a:lstStyle/>
+          <a:p>
+            <a:pPr algn="ctr"/>
+            <a:r>
+              <a:rPr lang="fr-FR" dirty="0"/>
+              <a:t>internet</a:t>
+            </a:r>
+          </a:p>
+        </p:txBody>
+      </p:sp>
+      <p:cxnSp>
+        <p:nvCxnSpPr>
+          <p:cNvPr id="20" name="Connecteur : en angle 19">
+            <a:extLst>
+              <a:ext uri="{FF2B5EF4-FFF2-40B4-BE49-F238E27FC236}">
+                <a16:creationId xmlns:a16="http://schemas.microsoft.com/office/drawing/2014/main" id="{66B1E057-6C75-43BF-9A12-0E817B3AF167}"/>
+              </a:ext>
+            </a:extLst>
+          </p:cNvPr>
+          <p:cNvCxnSpPr>
+            <a:cxnSpLocks/>
+            <a:endCxn id="37" idx="3"/>
+          </p:cNvCxnSpPr>
+          <p:nvPr/>
+        </p:nvCxnSpPr>
+        <p:spPr>
+          <a:xfrm rot="10800000">
+            <a:off x="6902448" y="613832"/>
+            <a:ext cx="3346450" cy="2764934"/>
+          </a:xfrm>
+          <a:prstGeom prst="bentConnector3">
+            <a:avLst>
+              <a:gd name="adj1" fmla="val 158"/>
+            </a:avLst>
+          </a:prstGeom>
+          <a:ln>
+            <a:headEnd type="triangle"/>
+            <a:tailEnd type="triangle"/>
+          </a:ln>
+        </p:spPr>
+        <p:style>
+          <a:lnRef idx="3">
+            <a:schemeClr val="accent1"/>
+          </a:lnRef>
+          <a:fillRef idx="0">
+            <a:schemeClr val="accent1"/>
+          </a:fillRef>
+          <a:effectRef idx="2">
+            <a:schemeClr val="accent1"/>
+          </a:effectRef>
+          <a:fontRef idx="minor">
+            <a:schemeClr val="tx1"/>
+          </a:fontRef>
+        </p:style>
+      </p:cxnSp>
+      <p:cxnSp>
+        <p:nvCxnSpPr>
+          <p:cNvPr id="39" name="Connecteur : en angle 38">
+            <a:extLst>
+              <a:ext uri="{FF2B5EF4-FFF2-40B4-BE49-F238E27FC236}">
+                <a16:creationId xmlns:a16="http://schemas.microsoft.com/office/drawing/2014/main" id="{B5B39A42-0CB0-4DF5-9A6D-EEE4934254E5}"/>
+              </a:ext>
+            </a:extLst>
+          </p:cNvPr>
+          <p:cNvCxnSpPr>
+            <a:stCxn id="37" idx="1"/>
+            <a:endCxn id="31" idx="0"/>
+          </p:cNvCxnSpPr>
+          <p:nvPr/>
+        </p:nvCxnSpPr>
+        <p:spPr>
+          <a:xfrm rot="10800000" flipV="1">
+            <a:off x="3109381" y="613832"/>
+            <a:ext cx="2167466" cy="2764934"/>
+          </a:xfrm>
+          <a:prstGeom prst="bentConnector2">
+            <a:avLst/>
+          </a:prstGeom>
+          <a:ln>
+            <a:headEnd type="triangle"/>
+            <a:tailEnd type="triangle"/>
+          </a:ln>
+        </p:spPr>
+        <p:style>
+          <a:lnRef idx="3">
+            <a:schemeClr val="accent1"/>
+          </a:lnRef>
+          <a:fillRef idx="0">
+            <a:schemeClr val="accent1"/>
+          </a:fillRef>
+          <a:effectRef idx="2">
+            <a:schemeClr val="accent1"/>
+          </a:effectRef>
+          <a:fontRef idx="minor">
+            <a:schemeClr val="tx1"/>
+          </a:fontRef>
+        </p:style>
+      </p:cxnSp>
+      <p:cxnSp>
+        <p:nvCxnSpPr>
+          <p:cNvPr id="41" name="Connecteur droit avec flèche 40">
+            <a:extLst>
+              <a:ext uri="{FF2B5EF4-FFF2-40B4-BE49-F238E27FC236}">
+                <a16:creationId xmlns:a16="http://schemas.microsoft.com/office/drawing/2014/main" id="{B4B40028-DCCA-46C4-BA1A-9E686C4CCD4D}"/>
+              </a:ext>
+            </a:extLst>
+          </p:cNvPr>
+          <p:cNvCxnSpPr>
+            <a:stCxn id="14" idx="0"/>
+            <a:endCxn id="37" idx="2"/>
+          </p:cNvCxnSpPr>
+          <p:nvPr/>
+        </p:nvCxnSpPr>
+        <p:spPr>
+          <a:xfrm flipH="1" flipV="1">
+            <a:off x="6089648" y="986365"/>
+            <a:ext cx="6351" cy="186266"/>
+          </a:xfrm>
+          <a:prstGeom prst="straightConnector1">
+            <a:avLst/>
+          </a:prstGeom>
+          <a:ln>
+            <a:headEnd type="triangle"/>
+            <a:tailEnd type="triangle"/>
+          </a:ln>
+        </p:spPr>
+        <p:style>
+          <a:lnRef idx="1">
+            <a:schemeClr val="accent1"/>
+          </a:lnRef>
+          <a:fillRef idx="0">
+            <a:schemeClr val="accent1"/>
+          </a:fillRef>
+          <a:effectRef idx="0">
+            <a:schemeClr val="accent1"/>
+          </a:effectRef>
+          <a:fontRef idx="minor">
+            <a:schemeClr val="tx1"/>
+          </a:fontRef>
+        </p:style>
+      </p:cxnSp>
+    </p:spTree>
+    <p:extLst>
+      <p:ext uri="{BB962C8B-B14F-4D97-AF65-F5344CB8AC3E}">
+        <p14:creationId xmlns:p14="http://schemas.microsoft.com/office/powerpoint/2010/main" val="2340926217"/>
       </p:ext>
     </p:extLst>
   </p:cSld>

--- a/doc/archi.pptx
+++ b/doc/archi.pptx
@@ -260,7 +260,7 @@
           <a:p>
             <a:fld id="{EF527E97-E77A-4920-A6B7-614B719493D6}" type="datetimeFigureOut">
               <a:rPr lang="fr-FR" smtClean="0"/>
-              <a:t>08/06/2020</a:t>
+              <a:t>15/06/2020</a:t>
             </a:fld>
             <a:endParaRPr lang="fr-FR"/>
           </a:p>
@@ -458,7 +458,7 @@
           <a:p>
             <a:fld id="{EF527E97-E77A-4920-A6B7-614B719493D6}" type="datetimeFigureOut">
               <a:rPr lang="fr-FR" smtClean="0"/>
-              <a:t>08/06/2020</a:t>
+              <a:t>15/06/2020</a:t>
             </a:fld>
             <a:endParaRPr lang="fr-FR"/>
           </a:p>
@@ -666,7 +666,7 @@
           <a:p>
             <a:fld id="{EF527E97-E77A-4920-A6B7-614B719493D6}" type="datetimeFigureOut">
               <a:rPr lang="fr-FR" smtClean="0"/>
-              <a:t>08/06/2020</a:t>
+              <a:t>15/06/2020</a:t>
             </a:fld>
             <a:endParaRPr lang="fr-FR"/>
           </a:p>
@@ -864,7 +864,7 @@
           <a:p>
             <a:fld id="{EF527E97-E77A-4920-A6B7-614B719493D6}" type="datetimeFigureOut">
               <a:rPr lang="fr-FR" smtClean="0"/>
-              <a:t>08/06/2020</a:t>
+              <a:t>15/06/2020</a:t>
             </a:fld>
             <a:endParaRPr lang="fr-FR"/>
           </a:p>
@@ -1139,7 +1139,7 @@
           <a:p>
             <a:fld id="{EF527E97-E77A-4920-A6B7-614B719493D6}" type="datetimeFigureOut">
               <a:rPr lang="fr-FR" smtClean="0"/>
-              <a:t>08/06/2020</a:t>
+              <a:t>15/06/2020</a:t>
             </a:fld>
             <a:endParaRPr lang="fr-FR"/>
           </a:p>
@@ -1404,7 +1404,7 @@
           <a:p>
             <a:fld id="{EF527E97-E77A-4920-A6B7-614B719493D6}" type="datetimeFigureOut">
               <a:rPr lang="fr-FR" smtClean="0"/>
-              <a:t>08/06/2020</a:t>
+              <a:t>15/06/2020</a:t>
             </a:fld>
             <a:endParaRPr lang="fr-FR"/>
           </a:p>
@@ -1816,7 +1816,7 @@
           <a:p>
             <a:fld id="{EF527E97-E77A-4920-A6B7-614B719493D6}" type="datetimeFigureOut">
               <a:rPr lang="fr-FR" smtClean="0"/>
-              <a:t>08/06/2020</a:t>
+              <a:t>15/06/2020</a:t>
             </a:fld>
             <a:endParaRPr lang="fr-FR"/>
           </a:p>
@@ -1957,7 +1957,7 @@
           <a:p>
             <a:fld id="{EF527E97-E77A-4920-A6B7-614B719493D6}" type="datetimeFigureOut">
               <a:rPr lang="fr-FR" smtClean="0"/>
-              <a:t>08/06/2020</a:t>
+              <a:t>15/06/2020</a:t>
             </a:fld>
             <a:endParaRPr lang="fr-FR"/>
           </a:p>
@@ -2070,7 +2070,7 @@
           <a:p>
             <a:fld id="{EF527E97-E77A-4920-A6B7-614B719493D6}" type="datetimeFigureOut">
               <a:rPr lang="fr-FR" smtClean="0"/>
-              <a:t>08/06/2020</a:t>
+              <a:t>15/06/2020</a:t>
             </a:fld>
             <a:endParaRPr lang="fr-FR"/>
           </a:p>
@@ -2381,7 +2381,7 @@
           <a:p>
             <a:fld id="{EF527E97-E77A-4920-A6B7-614B719493D6}" type="datetimeFigureOut">
               <a:rPr lang="fr-FR" smtClean="0"/>
-              <a:t>08/06/2020</a:t>
+              <a:t>15/06/2020</a:t>
             </a:fld>
             <a:endParaRPr lang="fr-FR"/>
           </a:p>
@@ -2669,7 +2669,7 @@
           <a:p>
             <a:fld id="{EF527E97-E77A-4920-A6B7-614B719493D6}" type="datetimeFigureOut">
               <a:rPr lang="fr-FR" smtClean="0"/>
-              <a:t>08/06/2020</a:t>
+              <a:t>15/06/2020</a:t>
             </a:fld>
             <a:endParaRPr lang="fr-FR"/>
           </a:p>
@@ -2910,7 +2910,7 @@
           <a:p>
             <a:fld id="{EF527E97-E77A-4920-A6B7-614B719493D6}" type="datetimeFigureOut">
               <a:rPr lang="fr-FR" smtClean="0"/>
-              <a:t>08/06/2020</a:t>
+              <a:t>15/06/2020</a:t>
             </a:fld>
             <a:endParaRPr lang="fr-FR"/>
           </a:p>
@@ -3636,7 +3636,7 @@
           <p:nvPr>
             <p:extLst>
               <p:ext uri="{D42A27DB-BD31-4B8C-83A1-F6EECF244321}">
-                <p14:modId xmlns:p14="http://schemas.microsoft.com/office/powerpoint/2010/main" val="2603377300"/>
+                <p14:modId xmlns:p14="http://schemas.microsoft.com/office/powerpoint/2010/main" val="4063886770"/>
               </p:ext>
             </p:extLst>
           </p:nvPr>
@@ -3668,8 +3668,8 @@
                     <a:p>
                       <a:pPr algn="ctr"/>
                       <a:r>
-                        <a:rPr lang="fr-FR" sz="1500" dirty="0"/>
-                        <a:t>Phare</a:t>
+                        <a:rPr lang="fr-FR" sz="1500" dirty="0" err="1"/>
+                        <a:t>Register</a:t>
                       </a:r>
                       <a:r>
                         <a:rPr lang="fr-FR" dirty="0"/>

--- a/doc/archi.pptx
+++ b/doc/archi.pptx
@@ -260,7 +260,7 @@
           <a:p>
             <a:fld id="{EF527E97-E77A-4920-A6B7-614B719493D6}" type="datetimeFigureOut">
               <a:rPr lang="fr-FR" smtClean="0"/>
-              <a:t>15/06/2020</a:t>
+              <a:t>29/06/2020</a:t>
             </a:fld>
             <a:endParaRPr lang="fr-FR"/>
           </a:p>
@@ -458,7 +458,7 @@
           <a:p>
             <a:fld id="{EF527E97-E77A-4920-A6B7-614B719493D6}" type="datetimeFigureOut">
               <a:rPr lang="fr-FR" smtClean="0"/>
-              <a:t>15/06/2020</a:t>
+              <a:t>29/06/2020</a:t>
             </a:fld>
             <a:endParaRPr lang="fr-FR"/>
           </a:p>
@@ -666,7 +666,7 @@
           <a:p>
             <a:fld id="{EF527E97-E77A-4920-A6B7-614B719493D6}" type="datetimeFigureOut">
               <a:rPr lang="fr-FR" smtClean="0"/>
-              <a:t>15/06/2020</a:t>
+              <a:t>29/06/2020</a:t>
             </a:fld>
             <a:endParaRPr lang="fr-FR"/>
           </a:p>
@@ -864,7 +864,7 @@
           <a:p>
             <a:fld id="{EF527E97-E77A-4920-A6B7-614B719493D6}" type="datetimeFigureOut">
               <a:rPr lang="fr-FR" smtClean="0"/>
-              <a:t>15/06/2020</a:t>
+              <a:t>29/06/2020</a:t>
             </a:fld>
             <a:endParaRPr lang="fr-FR"/>
           </a:p>
@@ -1139,7 +1139,7 @@
           <a:p>
             <a:fld id="{EF527E97-E77A-4920-A6B7-614B719493D6}" type="datetimeFigureOut">
               <a:rPr lang="fr-FR" smtClean="0"/>
-              <a:t>15/06/2020</a:t>
+              <a:t>29/06/2020</a:t>
             </a:fld>
             <a:endParaRPr lang="fr-FR"/>
           </a:p>
@@ -1404,7 +1404,7 @@
           <a:p>
             <a:fld id="{EF527E97-E77A-4920-A6B7-614B719493D6}" type="datetimeFigureOut">
               <a:rPr lang="fr-FR" smtClean="0"/>
-              <a:t>15/06/2020</a:t>
+              <a:t>29/06/2020</a:t>
             </a:fld>
             <a:endParaRPr lang="fr-FR"/>
           </a:p>
@@ -1816,7 +1816,7 @@
           <a:p>
             <a:fld id="{EF527E97-E77A-4920-A6B7-614B719493D6}" type="datetimeFigureOut">
               <a:rPr lang="fr-FR" smtClean="0"/>
-              <a:t>15/06/2020</a:t>
+              <a:t>29/06/2020</a:t>
             </a:fld>
             <a:endParaRPr lang="fr-FR"/>
           </a:p>
@@ -1957,7 +1957,7 @@
           <a:p>
             <a:fld id="{EF527E97-E77A-4920-A6B7-614B719493D6}" type="datetimeFigureOut">
               <a:rPr lang="fr-FR" smtClean="0"/>
-              <a:t>15/06/2020</a:t>
+              <a:t>29/06/2020</a:t>
             </a:fld>
             <a:endParaRPr lang="fr-FR"/>
           </a:p>
@@ -2070,7 +2070,7 @@
           <a:p>
             <a:fld id="{EF527E97-E77A-4920-A6B7-614B719493D6}" type="datetimeFigureOut">
               <a:rPr lang="fr-FR" smtClean="0"/>
-              <a:t>15/06/2020</a:t>
+              <a:t>29/06/2020</a:t>
             </a:fld>
             <a:endParaRPr lang="fr-FR"/>
           </a:p>
@@ -2381,7 +2381,7 @@
           <a:p>
             <a:fld id="{EF527E97-E77A-4920-A6B7-614B719493D6}" type="datetimeFigureOut">
               <a:rPr lang="fr-FR" smtClean="0"/>
-              <a:t>15/06/2020</a:t>
+              <a:t>29/06/2020</a:t>
             </a:fld>
             <a:endParaRPr lang="fr-FR"/>
           </a:p>
@@ -2669,7 +2669,7 @@
           <a:p>
             <a:fld id="{EF527E97-E77A-4920-A6B7-614B719493D6}" type="datetimeFigureOut">
               <a:rPr lang="fr-FR" smtClean="0"/>
-              <a:t>15/06/2020</a:t>
+              <a:t>29/06/2020</a:t>
             </a:fld>
             <a:endParaRPr lang="fr-FR"/>
           </a:p>
@@ -2910,7 +2910,7 @@
           <a:p>
             <a:fld id="{EF527E97-E77A-4920-A6B7-614B719493D6}" type="datetimeFigureOut">
               <a:rPr lang="fr-FR" smtClean="0"/>
-              <a:t>15/06/2020</a:t>
+              <a:t>29/06/2020</a:t>
             </a:fld>
             <a:endParaRPr lang="fr-FR"/>
           </a:p>
@@ -4670,7 +4670,7 @@
           <p:nvPr>
             <p:extLst>
               <p:ext uri="{D42A27DB-BD31-4B8C-83A1-F6EECF244321}">
-                <p14:modId xmlns:p14="http://schemas.microsoft.com/office/powerpoint/2010/main" val="1693751147"/>
+                <p14:modId xmlns:p14="http://schemas.microsoft.com/office/powerpoint/2010/main" val="4155959644"/>
               </p:ext>
             </p:extLst>
           </p:nvPr>
@@ -4703,7 +4703,7 @@
                       <a:pPr algn="ctr"/>
                       <a:r>
                         <a:rPr lang="fr-FR" sz="1500" dirty="0"/>
-                        <a:t>Déploiement d'image</a:t>
+                        <a:t>création d'image</a:t>
                       </a:r>
                     </a:p>
                   </a:txBody>
@@ -5910,6 +5910,176 @@
           </a:fontRef>
         </p:style>
       </p:cxnSp>
+      <p:graphicFrame>
+        <p:nvGraphicFramePr>
+          <p:cNvPr id="33" name="Tableau 16">
+            <a:extLst>
+              <a:ext uri="{FF2B5EF4-FFF2-40B4-BE49-F238E27FC236}">
+                <a16:creationId xmlns:a16="http://schemas.microsoft.com/office/drawing/2014/main" id="{3E095D8E-CEEC-40F4-A17C-04511FD89264}"/>
+              </a:ext>
+            </a:extLst>
+          </p:cNvPr>
+          <p:cNvGraphicFramePr>
+            <a:graphicFrameLocks noGrp="1"/>
+          </p:cNvGraphicFramePr>
+          <p:nvPr>
+            <p:extLst>
+              <p:ext uri="{D42A27DB-BD31-4B8C-83A1-F6EECF244321}">
+                <p14:modId xmlns:p14="http://schemas.microsoft.com/office/powerpoint/2010/main" val="2200474896"/>
+              </p:ext>
+            </p:extLst>
+          </p:nvPr>
+        </p:nvGraphicFramePr>
+        <p:xfrm>
+          <a:off x="7395102" y="4800593"/>
+          <a:ext cx="1945220" cy="863601"/>
+        </p:xfrm>
+        <a:graphic>
+          <a:graphicData uri="http://schemas.openxmlformats.org/drawingml/2006/table">
+            <a:tbl>
+              <a:tblPr firstRow="1" bandRow="1">
+                <a:tableStyleId>{5C22544A-7EE6-4342-B048-85BDC9FD1C3A}</a:tableStyleId>
+              </a:tblPr>
+              <a:tblGrid>
+                <a:gridCol w="1945220">
+                  <a:extLst>
+                    <a:ext uri="{9D8B030D-6E8A-4147-A177-3AD203B41FA5}">
+                      <a16:colId xmlns:a16="http://schemas.microsoft.com/office/drawing/2014/main" val="1025984702"/>
+                    </a:ext>
+                  </a:extLst>
+                </a:gridCol>
+              </a:tblGrid>
+              <a:tr h="371478">
+                <a:tc>
+                  <a:txBody>
+                    <a:bodyPr/>
+                    <a:lstStyle/>
+                    <a:p>
+                      <a:pPr algn="ctr"/>
+                      <a:r>
+                        <a:rPr lang="fr-FR" sz="1500" dirty="0"/>
+                        <a:t>création de container</a:t>
+                      </a:r>
+                    </a:p>
+                  </a:txBody>
+                  <a:tcPr>
+                    <a:lnL w="12700" cap="flat" cmpd="sng" algn="ctr">
+                      <a:solidFill>
+                        <a:schemeClr val="tx1"/>
+                      </a:solidFill>
+                      <a:prstDash val="solid"/>
+                      <a:round/>
+                      <a:headEnd type="none" w="med" len="med"/>
+                      <a:tailEnd type="none" w="med" len="med"/>
+                    </a:lnL>
+                    <a:lnR w="12700" cap="flat" cmpd="sng" algn="ctr">
+                      <a:solidFill>
+                        <a:schemeClr val="tx1"/>
+                      </a:solidFill>
+                      <a:prstDash val="solid"/>
+                      <a:round/>
+                      <a:headEnd type="none" w="med" len="med"/>
+                      <a:tailEnd type="none" w="med" len="med"/>
+                    </a:lnR>
+                    <a:lnT w="12700" cap="flat" cmpd="sng" algn="ctr">
+                      <a:solidFill>
+                        <a:schemeClr val="tx1"/>
+                      </a:solidFill>
+                      <a:prstDash val="solid"/>
+                      <a:round/>
+                      <a:headEnd type="none" w="med" len="med"/>
+                      <a:tailEnd type="none" w="med" len="med"/>
+                    </a:lnT>
+                    <a:lnB w="38100" cmpd="sng">
+                      <a:noFill/>
+                    </a:lnB>
+                    <a:lnTlToBr w="12700" cmpd="sng">
+                      <a:noFill/>
+                      <a:prstDash val="solid"/>
+                    </a:lnTlToBr>
+                    <a:lnBlToTr w="12700" cmpd="sng">
+                      <a:noFill/>
+                      <a:prstDash val="solid"/>
+                    </a:lnBlToTr>
+                    <a:solidFill>
+                      <a:schemeClr val="accent1">
+                        <a:lumMod val="75000"/>
+                      </a:schemeClr>
+                    </a:solidFill>
+                  </a:tcPr>
+                </a:tc>
+                <a:extLst>
+                  <a:ext uri="{0D108BD9-81ED-4DB2-BD59-A6C34878D82A}">
+                    <a16:rowId xmlns:a16="http://schemas.microsoft.com/office/drawing/2014/main" val="1850360520"/>
+                  </a:ext>
+                </a:extLst>
+              </a:tr>
+              <a:tr h="492123">
+                <a:tc>
+                  <a:txBody>
+                    <a:bodyPr/>
+                    <a:lstStyle/>
+                    <a:p>
+                      <a:endParaRPr lang="fr-FR" sz="1200" dirty="0"/>
+                    </a:p>
+                  </a:txBody>
+                  <a:tcPr>
+                    <a:lnL w="12700" cap="flat" cmpd="sng" algn="ctr">
+                      <a:solidFill>
+                        <a:schemeClr val="tx1"/>
+                      </a:solidFill>
+                      <a:prstDash val="solid"/>
+                      <a:round/>
+                      <a:headEnd type="none" w="med" len="med"/>
+                      <a:tailEnd type="none" w="med" len="med"/>
+                    </a:lnL>
+                    <a:lnR w="12700" cap="flat" cmpd="sng" algn="ctr">
+                      <a:solidFill>
+                        <a:schemeClr val="tx1"/>
+                      </a:solidFill>
+                      <a:prstDash val="solid"/>
+                      <a:round/>
+                      <a:headEnd type="none" w="med" len="med"/>
+                      <a:tailEnd type="none" w="med" len="med"/>
+                    </a:lnR>
+                    <a:lnT w="38100" cmpd="sng">
+                      <a:noFill/>
+                    </a:lnT>
+                    <a:lnB w="12700" cap="flat" cmpd="sng" algn="ctr">
+                      <a:solidFill>
+                        <a:schemeClr val="tx1"/>
+                      </a:solidFill>
+                      <a:prstDash val="solid"/>
+                      <a:round/>
+                      <a:headEnd type="none" w="med" len="med"/>
+                      <a:tailEnd type="none" w="med" len="med"/>
+                    </a:lnB>
+                    <a:lnTlToBr w="12700" cmpd="sng">
+                      <a:noFill/>
+                      <a:prstDash val="solid"/>
+                    </a:lnTlToBr>
+                    <a:lnBlToTr w="12700" cmpd="sng">
+                      <a:noFill/>
+                      <a:prstDash val="solid"/>
+                    </a:lnBlToTr>
+                    <a:solidFill>
+                      <a:schemeClr val="accent1">
+                        <a:lumMod val="60000"/>
+                        <a:lumOff val="40000"/>
+                      </a:schemeClr>
+                    </a:solidFill>
+                  </a:tcPr>
+                </a:tc>
+                <a:extLst>
+                  <a:ext uri="{0D108BD9-81ED-4DB2-BD59-A6C34878D82A}">
+                    <a16:rowId xmlns:a16="http://schemas.microsoft.com/office/drawing/2014/main" val="2336616549"/>
+                  </a:ext>
+                </a:extLst>
+              </a:tr>
+            </a:tbl>
+          </a:graphicData>
+        </a:graphic>
+      </p:graphicFrame>
     </p:spTree>
     <p:extLst>
       <p:ext uri="{BB962C8B-B14F-4D97-AF65-F5344CB8AC3E}">
